--- a/2025/2025-10-10-AI-Updates.pptx
+++ b/2025/2025-10-10-AI-Updates.pptx
@@ -979,7 +979,7 @@
   <p:cSld>
     <p:spTree>
       <p:nvGrpSpPr>
-        <p:cNvPr id="1" name="Shape 218"/>
+        <p:cNvPr id="1" name="Shape 219"/>
         <p:cNvGrpSpPr/>
         <p:nvPr/>
       </p:nvGrpSpPr>
@@ -993,7 +993,7 @@
       </p:grpSpPr>
       <p:sp>
         <p:nvSpPr>
-          <p:cNvPr id="219" name="Google Shape;219;g388eeb0c980_0_0:notes"/>
+          <p:cNvPr id="220" name="Google Shape;220;g388eeb0c980_0_0:notes"/>
           <p:cNvSpPr>
             <a:spLocks noGrp="1" noRot="1" noChangeAspect="1"/>
           </p:cNvSpPr>
@@ -1044,7 +1044,7 @@
       </p:sp>
       <p:sp>
         <p:nvSpPr>
-          <p:cNvPr id="220" name="Google Shape;220;g388eeb0c980_0_0:notes"/>
+          <p:cNvPr id="221" name="Google Shape;221;g388eeb0c980_0_0:notes"/>
           <p:cNvSpPr txBox="1">
             <a:spLocks noGrp="1"/>
           </p:cNvSpPr>
@@ -1101,7 +1101,7 @@
   <p:cSld>
     <p:spTree>
       <p:nvGrpSpPr>
-        <p:cNvPr id="1" name="Shape 225"/>
+        <p:cNvPr id="1" name="Shape 226"/>
         <p:cNvGrpSpPr/>
         <p:nvPr/>
       </p:nvGrpSpPr>
@@ -1115,7 +1115,7 @@
       </p:grpSpPr>
       <p:sp>
         <p:nvSpPr>
-          <p:cNvPr id="226" name="Google Shape;226;g368ae687d90_0_0:notes"/>
+          <p:cNvPr id="227" name="Google Shape;227;g368ae687d90_0_0:notes"/>
           <p:cNvSpPr>
             <a:spLocks noGrp="1" noRot="1" noChangeAspect="1"/>
           </p:cNvSpPr>
@@ -1166,7 +1166,7 @@
       </p:sp>
       <p:sp>
         <p:nvSpPr>
-          <p:cNvPr id="227" name="Google Shape;227;g368ae687d90_0_0:notes"/>
+          <p:cNvPr id="228" name="Google Shape;228;g368ae687d90_0_0:notes"/>
           <p:cNvSpPr txBox="1">
             <a:spLocks noGrp="1"/>
           </p:cNvSpPr>
@@ -1223,7 +1223,7 @@
   <p:cSld>
     <p:spTree>
       <p:nvGrpSpPr>
-        <p:cNvPr id="1" name="Shape 232"/>
+        <p:cNvPr id="1" name="Shape 233"/>
         <p:cNvGrpSpPr/>
         <p:nvPr/>
       </p:nvGrpSpPr>
@@ -1237,7 +1237,7 @@
       </p:grpSpPr>
       <p:sp>
         <p:nvSpPr>
-          <p:cNvPr id="233" name="Google Shape;233;g368c03a66cc_1_0:notes"/>
+          <p:cNvPr id="234" name="Google Shape;234;g368c03a66cc_1_0:notes"/>
           <p:cNvSpPr>
             <a:spLocks noGrp="1" noRot="1" noChangeAspect="1"/>
           </p:cNvSpPr>
@@ -1288,7 +1288,7 @@
       </p:sp>
       <p:sp>
         <p:nvSpPr>
-          <p:cNvPr id="234" name="Google Shape;234;g368c03a66cc_1_0:notes"/>
+          <p:cNvPr id="235" name="Google Shape;235;g368c03a66cc_1_0:notes"/>
           <p:cNvSpPr txBox="1">
             <a:spLocks noGrp="1"/>
           </p:cNvSpPr>
@@ -1345,7 +1345,7 @@
   <p:cSld>
     <p:spTree>
       <p:nvGrpSpPr>
-        <p:cNvPr id="1" name="Shape 243"/>
+        <p:cNvPr id="1" name="Shape 244"/>
         <p:cNvGrpSpPr/>
         <p:nvPr/>
       </p:nvGrpSpPr>
@@ -1359,7 +1359,7 @@
       </p:grpSpPr>
       <p:sp>
         <p:nvSpPr>
-          <p:cNvPr id="244" name="Google Shape;244;g389d3c77daf_1_2:notes"/>
+          <p:cNvPr id="245" name="Google Shape;245;g389d3c77daf_1_2:notes"/>
           <p:cNvSpPr>
             <a:spLocks noGrp="1" noRot="1" noChangeAspect="1"/>
           </p:cNvSpPr>
@@ -1410,7 +1410,7 @@
       </p:sp>
       <p:sp>
         <p:nvSpPr>
-          <p:cNvPr id="245" name="Google Shape;245;g389d3c77daf_1_2:notes"/>
+          <p:cNvPr id="246" name="Google Shape;246;g389d3c77daf_1_2:notes"/>
           <p:cNvSpPr txBox="1">
             <a:spLocks noGrp="1"/>
           </p:cNvSpPr>
@@ -1467,7 +1467,7 @@
   <p:cSld>
     <p:spTree>
       <p:nvGrpSpPr>
-        <p:cNvPr id="1" name="Shape 254"/>
+        <p:cNvPr id="1" name="Shape 255"/>
         <p:cNvGrpSpPr/>
         <p:nvPr/>
       </p:nvGrpSpPr>
@@ -1481,7 +1481,7 @@
       </p:grpSpPr>
       <p:sp>
         <p:nvSpPr>
-          <p:cNvPr id="255" name="Google Shape;255;g385c1481831_1_0:notes"/>
+          <p:cNvPr id="256" name="Google Shape;256;g385c1481831_1_0:notes"/>
           <p:cNvSpPr>
             <a:spLocks noGrp="1" noRot="1" noChangeAspect="1"/>
           </p:cNvSpPr>
@@ -1532,7 +1532,7 @@
       </p:sp>
       <p:sp>
         <p:nvSpPr>
-          <p:cNvPr id="256" name="Google Shape;256;g385c1481831_1_0:notes"/>
+          <p:cNvPr id="257" name="Google Shape;257;g385c1481831_1_0:notes"/>
           <p:cNvSpPr txBox="1">
             <a:spLocks noGrp="1"/>
           </p:cNvSpPr>
@@ -1589,7 +1589,7 @@
   <p:cSld>
     <p:spTree>
       <p:nvGrpSpPr>
-        <p:cNvPr id="1" name="Shape 265"/>
+        <p:cNvPr id="1" name="Shape 266"/>
         <p:cNvGrpSpPr/>
         <p:nvPr/>
       </p:nvGrpSpPr>
@@ -1603,7 +1603,7 @@
       </p:grpSpPr>
       <p:sp>
         <p:nvSpPr>
-          <p:cNvPr id="266" name="Google Shape;266;g38b064a5f57_0_9:notes"/>
+          <p:cNvPr id="267" name="Google Shape;267;g38b064a5f57_0_9:notes"/>
           <p:cNvSpPr>
             <a:spLocks noGrp="1" noRot="1" noChangeAspect="1"/>
           </p:cNvSpPr>
@@ -1654,7 +1654,7 @@
       </p:sp>
       <p:sp>
         <p:nvSpPr>
-          <p:cNvPr id="267" name="Google Shape;267;g38b064a5f57_0_9:notes"/>
+          <p:cNvPr id="268" name="Google Shape;268;g38b064a5f57_0_9:notes"/>
           <p:cNvSpPr txBox="1">
             <a:spLocks noGrp="1"/>
           </p:cNvSpPr>
@@ -1711,7 +1711,7 @@
   <p:cSld>
     <p:spTree>
       <p:nvGrpSpPr>
-        <p:cNvPr id="1" name="Shape 278"/>
+        <p:cNvPr id="1" name="Shape 279"/>
         <p:cNvGrpSpPr/>
         <p:nvPr/>
       </p:nvGrpSpPr>
@@ -1725,7 +1725,7 @@
       </p:grpSpPr>
       <p:sp>
         <p:nvSpPr>
-          <p:cNvPr id="279" name="Google Shape;279;g389e13a8faf_0_0:notes"/>
+          <p:cNvPr id="280" name="Google Shape;280;g389e13a8faf_0_0:notes"/>
           <p:cNvSpPr>
             <a:spLocks noGrp="1" noRot="1" noChangeAspect="1"/>
           </p:cNvSpPr>
@@ -1776,7 +1776,7 @@
       </p:sp>
       <p:sp>
         <p:nvSpPr>
-          <p:cNvPr id="280" name="Google Shape;280;g389e13a8faf_0_0:notes"/>
+          <p:cNvPr id="281" name="Google Shape;281;g389e13a8faf_0_0:notes"/>
           <p:cNvSpPr txBox="1">
             <a:spLocks noGrp="1"/>
           </p:cNvSpPr>
@@ -1833,7 +1833,7 @@
   <p:cSld>
     <p:spTree>
       <p:nvGrpSpPr>
-        <p:cNvPr id="1" name="Shape 287"/>
+        <p:cNvPr id="1" name="Shape 288"/>
         <p:cNvGrpSpPr/>
         <p:nvPr/>
       </p:nvGrpSpPr>
@@ -1847,7 +1847,7 @@
       </p:grpSpPr>
       <p:sp>
         <p:nvSpPr>
-          <p:cNvPr id="288" name="Google Shape;288;g368f1802ad8_1_0:notes"/>
+          <p:cNvPr id="289" name="Google Shape;289;g368f1802ad8_1_0:notes"/>
           <p:cNvSpPr>
             <a:spLocks noGrp="1" noRot="1" noChangeAspect="1"/>
           </p:cNvSpPr>
@@ -1898,7 +1898,7 @@
       </p:sp>
       <p:sp>
         <p:nvSpPr>
-          <p:cNvPr id="289" name="Google Shape;289;g368f1802ad8_1_0:notes"/>
+          <p:cNvPr id="290" name="Google Shape;290;g368f1802ad8_1_0:notes"/>
           <p:cNvSpPr txBox="1">
             <a:spLocks noGrp="1"/>
           </p:cNvSpPr>
@@ -1955,7 +1955,7 @@
   <p:cSld>
     <p:spTree>
       <p:nvGrpSpPr>
-        <p:cNvPr id="1" name="Shape 295"/>
+        <p:cNvPr id="1" name="Shape 296"/>
         <p:cNvGrpSpPr/>
         <p:nvPr/>
       </p:nvGrpSpPr>
@@ -1969,7 +1969,7 @@
       </p:grpSpPr>
       <p:sp>
         <p:nvSpPr>
-          <p:cNvPr id="296" name="Google Shape;296;g389d3c77daf_1_14:notes"/>
+          <p:cNvPr id="297" name="Google Shape;297;g389d3c77daf_1_14:notes"/>
           <p:cNvSpPr>
             <a:spLocks noGrp="1" noRot="1" noChangeAspect="1"/>
           </p:cNvSpPr>
@@ -2020,7 +2020,7 @@
       </p:sp>
       <p:sp>
         <p:nvSpPr>
-          <p:cNvPr id="297" name="Google Shape;297;g389d3c77daf_1_14:notes"/>
+          <p:cNvPr id="298" name="Google Shape;298;g389d3c77daf_1_14:notes"/>
           <p:cNvSpPr txBox="1">
             <a:spLocks noGrp="1"/>
           </p:cNvSpPr>
@@ -2077,7 +2077,7 @@
   <p:cSld>
     <p:spTree>
       <p:nvGrpSpPr>
-        <p:cNvPr id="1" name="Shape 302"/>
+        <p:cNvPr id="1" name="Shape 303"/>
         <p:cNvGrpSpPr/>
         <p:nvPr/>
       </p:nvGrpSpPr>
@@ -2091,7 +2091,7 @@
       </p:grpSpPr>
       <p:sp>
         <p:nvSpPr>
-          <p:cNvPr id="303" name="Google Shape;303;p23:notes"/>
+          <p:cNvPr id="304" name="Google Shape;304;p23:notes"/>
           <p:cNvSpPr>
             <a:spLocks noGrp="1" noRot="1" noChangeAspect="1"/>
           </p:cNvSpPr>
@@ -2142,7 +2142,7 @@
       </p:sp>
       <p:sp>
         <p:nvSpPr>
-          <p:cNvPr id="304" name="Google Shape;304;p23:notes"/>
+          <p:cNvPr id="305" name="Google Shape;305;p23:notes"/>
           <p:cNvSpPr txBox="1">
             <a:spLocks noGrp="1"/>
           </p:cNvSpPr>
@@ -2321,7 +2321,7 @@
   <p:cSld>
     <p:spTree>
       <p:nvGrpSpPr>
-        <p:cNvPr id="1" name="Shape 315"/>
+        <p:cNvPr id="1" name="Shape 316"/>
         <p:cNvGrpSpPr/>
         <p:nvPr/>
       </p:nvGrpSpPr>
@@ -2335,7 +2335,7 @@
       </p:grpSpPr>
       <p:sp>
         <p:nvSpPr>
-          <p:cNvPr id="316" name="Google Shape;316;p24:notes"/>
+          <p:cNvPr id="317" name="Google Shape;317;p24:notes"/>
           <p:cNvSpPr>
             <a:spLocks noGrp="1" noRot="1" noChangeAspect="1"/>
           </p:cNvSpPr>
@@ -2386,7 +2386,7 @@
       </p:sp>
       <p:sp>
         <p:nvSpPr>
-          <p:cNvPr id="317" name="Google Shape;317;p24:notes"/>
+          <p:cNvPr id="318" name="Google Shape;318;p24:notes"/>
           <p:cNvSpPr txBox="1">
             <a:spLocks noGrp="1"/>
           </p:cNvSpPr>
@@ -2443,7 +2443,7 @@
   <p:cSld>
     <p:spTree>
       <p:nvGrpSpPr>
-        <p:cNvPr id="1" name="Shape 325"/>
+        <p:cNvPr id="1" name="Shape 326"/>
         <p:cNvGrpSpPr/>
         <p:nvPr/>
       </p:nvGrpSpPr>
@@ -2457,7 +2457,7 @@
       </p:grpSpPr>
       <p:sp>
         <p:nvSpPr>
-          <p:cNvPr id="326" name="Google Shape;326;p25:notes"/>
+          <p:cNvPr id="327" name="Google Shape;327;p25:notes"/>
           <p:cNvSpPr>
             <a:spLocks noGrp="1" noRot="1" noChangeAspect="1"/>
           </p:cNvSpPr>
@@ -2508,7 +2508,7 @@
       </p:sp>
       <p:sp>
         <p:nvSpPr>
-          <p:cNvPr id="327" name="Google Shape;327;p25:notes"/>
+          <p:cNvPr id="328" name="Google Shape;328;p25:notes"/>
           <p:cNvSpPr txBox="1">
             <a:spLocks noGrp="1"/>
           </p:cNvSpPr>
@@ -12811,7 +12811,7 @@
         </p:nvSpPr>
         <p:spPr>
           <a:xfrm>
-            <a:off x="78651" y="697088"/>
+            <a:off x="78651" y="836101"/>
             <a:ext cx="4420200" cy="1742400"/>
           </a:xfrm>
           <a:prstGeom prst="rect">
@@ -13227,7 +13227,7 @@
         </p:nvSpPr>
         <p:spPr>
           <a:xfrm>
-            <a:off x="4576975" y="3740251"/>
+            <a:off x="4576975" y="3956463"/>
             <a:ext cx="4502400" cy="1003500"/>
           </a:xfrm>
           <a:prstGeom prst="rect">
@@ -13433,7 +13433,7 @@
         </p:nvSpPr>
         <p:spPr>
           <a:xfrm>
-            <a:off x="78651" y="2488636"/>
+            <a:off x="78651" y="2737397"/>
             <a:ext cx="4420200" cy="2235000"/>
           </a:xfrm>
           <a:prstGeom prst="rect">
@@ -13795,18 +13795,6 @@
               <a:buFont typeface="Calibri"/>
               <a:buChar char="●"/>
             </a:pPr>
-            <a:r>
-              <a:rPr lang="en" sz="1600" b="1">
-                <a:solidFill>
-                  <a:srgbClr val="3C78D8"/>
-                </a:solidFill>
-                <a:latin typeface="Calibri"/>
-                <a:ea typeface="Calibri"/>
-                <a:cs typeface="Calibri"/>
-                <a:sym typeface="Calibri"/>
-              </a:rPr>
-              <a:t>IBM and Anthropic Partnership</a:t>
-            </a:r>
             <a:endParaRPr sz="1600" b="1">
               <a:solidFill>
                 <a:srgbClr val="3C78D8"/>
@@ -13827,8 +13815,8 @@
         </p:nvSpPr>
         <p:spPr>
           <a:xfrm>
-            <a:off x="4576975" y="696651"/>
-            <a:ext cx="4502400" cy="2481300"/>
+            <a:off x="4576975" y="835664"/>
+            <a:ext cx="4502400" cy="2727600"/>
           </a:xfrm>
           <a:prstGeom prst="rect">
             <a:avLst/>
@@ -13879,7 +13867,7 @@
                 <a:cs typeface="Calibri"/>
                 <a:sym typeface="Calibri"/>
               </a:rPr>
-              <a:t>OpenAI GPT-4b Model for Protein Engineering</a:t>
+              <a:t>IBM and Anthropic Partnership</a:t>
             </a:r>
             <a:endParaRPr sz="1600" b="1">
               <a:solidFill>
@@ -13919,7 +13907,7 @@
                 <a:cs typeface="Calibri"/>
                 <a:sym typeface="Calibri"/>
               </a:rPr>
-              <a:t>Intel ARC Pro B50 - 16GB GPU ~$300</a:t>
+              <a:t>OpenAI GPT-4b Model for Protein Engineering</a:t>
             </a:r>
             <a:endParaRPr sz="1600" b="1">
               <a:solidFill>
@@ -13959,7 +13947,7 @@
                 <a:cs typeface="Calibri"/>
                 <a:sym typeface="Calibri"/>
               </a:rPr>
-              <a:t>Google CodeMender</a:t>
+              <a:t>Intel ARC Pro B50 - 16GB GPU ~$300</a:t>
             </a:r>
             <a:endParaRPr sz="1600" b="1">
               <a:solidFill>
@@ -13999,7 +13987,7 @@
                 <a:cs typeface="Calibri"/>
                 <a:sym typeface="Calibri"/>
               </a:rPr>
-              <a:t>Samsung Tiny Recursion Models</a:t>
+              <a:t>Google CodeMender</a:t>
             </a:r>
             <a:endParaRPr sz="1600" b="1">
               <a:solidFill>
@@ -14039,7 +14027,7 @@
                 <a:cs typeface="Calibri"/>
                 <a:sym typeface="Calibri"/>
               </a:rPr>
-              <a:t>xAI &amp; Nvidia ~$20Bln</a:t>
+              <a:t>Samsung Tiny Recursion Models</a:t>
             </a:r>
             <a:endParaRPr sz="1600" b="1">
               <a:solidFill>
@@ -14079,7 +14067,7 @@
                 <a:cs typeface="Calibri"/>
                 <a:sym typeface="Calibri"/>
               </a:rPr>
-              <a:t>Peter Diamandis Moonshots - Everything App</a:t>
+              <a:t>xAI &amp; Nvidia ~$20Bln</a:t>
             </a:r>
             <a:endParaRPr sz="1600" b="1">
               <a:solidFill>
@@ -14119,7 +14107,7 @@
                 <a:cs typeface="Calibri"/>
                 <a:sym typeface="Calibri"/>
               </a:rPr>
-              <a:t>Hunyuan Image 3.0 beats Google’s Nano Banana</a:t>
+              <a:t>Peter Diamandis Moonshots - Everything App</a:t>
             </a:r>
             <a:endParaRPr sz="1600" b="1">
               <a:solidFill>
@@ -14159,7 +14147,7 @@
                 <a:cs typeface="Calibri"/>
                 <a:sym typeface="Calibri"/>
               </a:rPr>
-              <a:t>Microsoft - NVIDIA GB300 cluster for OpenAI</a:t>
+              <a:t>Google Opal No Code App Builder</a:t>
             </a:r>
             <a:endParaRPr sz="1600" b="1">
               <a:solidFill>
@@ -14199,7 +14187,7 @@
                 <a:cs typeface="Calibri"/>
                 <a:sym typeface="Calibri"/>
               </a:rPr>
-              <a:t>Reflection AI raises $2B at $8B valuation</a:t>
+              <a:t>Microsoft - NVIDIA GB300 cluster for OpenAI</a:t>
             </a:r>
             <a:endParaRPr sz="1600" b="1">
               <a:solidFill>
@@ -14239,7 +14227,47 @@
                 <a:cs typeface="Calibri"/>
                 <a:sym typeface="Calibri"/>
               </a:rPr>
-              <a:t>Figure 3rd Gen Humanoid Robot</a:t>
+              <a:t>Reflection AI raises $2B at $8B valuation</a:t>
+            </a:r>
+            <a:endParaRPr sz="1600" b="1">
+              <a:solidFill>
+                <a:srgbClr val="3C78D8"/>
+              </a:solidFill>
+              <a:latin typeface="Calibri"/>
+              <a:ea typeface="Calibri"/>
+              <a:cs typeface="Calibri"/>
+              <a:sym typeface="Calibri"/>
+            </a:endParaRPr>
+          </a:p>
+          <a:p>
+            <a:pPr marL="228600" marR="0" lvl="0" indent="-215900" algn="l" rtl="0">
+              <a:lnSpc>
+                <a:spcPct val="100000"/>
+              </a:lnSpc>
+              <a:spcBef>
+                <a:spcPts val="0"/>
+              </a:spcBef>
+              <a:spcAft>
+                <a:spcPts val="0"/>
+              </a:spcAft>
+              <a:buClr>
+                <a:srgbClr val="3C78D8"/>
+              </a:buClr>
+              <a:buSzPts val="1600"/>
+              <a:buFont typeface="Calibri"/>
+              <a:buChar char="●"/>
+            </a:pPr>
+            <a:r>
+              <a:rPr lang="en" sz="1600" b="1">
+                <a:solidFill>
+                  <a:srgbClr val="3C78D8"/>
+                </a:solidFill>
+                <a:latin typeface="Calibri"/>
+                <a:ea typeface="Calibri"/>
+                <a:cs typeface="Calibri"/>
+                <a:sym typeface="Calibri"/>
+              </a:rPr>
+              <a:t>Figure 3rd Gen Humanoid Robot $5,900</a:t>
             </a:r>
             <a:endParaRPr sz="1600" b="1">
               <a:solidFill>
@@ -14362,7 +14390,7 @@
   <p:cSld>
     <p:spTree>
       <p:nvGrpSpPr>
-        <p:cNvPr id="1" name="Shape 221"/>
+        <p:cNvPr id="1" name="Shape 222"/>
         <p:cNvGrpSpPr/>
         <p:nvPr/>
       </p:nvGrpSpPr>
@@ -14376,7 +14404,7 @@
       </p:grpSpPr>
       <p:sp>
         <p:nvSpPr>
-          <p:cNvPr id="222" name="Google Shape;222;p24"/>
+          <p:cNvPr id="223" name="Google Shape;223;p24"/>
           <p:cNvSpPr txBox="1"/>
           <p:nvPr/>
         </p:nvSpPr>
@@ -14442,7 +14470,7 @@
       </p:sp>
       <p:sp>
         <p:nvSpPr>
-          <p:cNvPr id="223" name="Google Shape;223;p24"/>
+          <p:cNvPr id="224" name="Google Shape;224;p24"/>
           <p:cNvSpPr txBox="1"/>
           <p:nvPr/>
         </p:nvSpPr>
@@ -14915,7 +14943,7 @@
       </p:sp>
       <p:pic>
         <p:nvPicPr>
-          <p:cNvPr id="224" name="Google Shape;224;p24"/>
+          <p:cNvPr id="225" name="Google Shape;225;p24"/>
           <p:cNvPicPr preferRelativeResize="0"/>
           <p:nvPr/>
         </p:nvPicPr>
@@ -14960,7 +14988,7 @@
   <p:cSld>
     <p:spTree>
       <p:nvGrpSpPr>
-        <p:cNvPr id="1" name="Shape 228"/>
+        <p:cNvPr id="1" name="Shape 229"/>
         <p:cNvGrpSpPr/>
         <p:nvPr/>
       </p:nvGrpSpPr>
@@ -14974,7 +15002,7 @@
       </p:grpSpPr>
       <p:sp>
         <p:nvSpPr>
-          <p:cNvPr id="229" name="Google Shape;229;p25"/>
+          <p:cNvPr id="230" name="Google Shape;230;p25"/>
           <p:cNvSpPr txBox="1"/>
           <p:nvPr/>
         </p:nvSpPr>
@@ -15040,7 +15068,7 @@
       </p:sp>
       <p:sp>
         <p:nvSpPr>
-          <p:cNvPr id="230" name="Google Shape;230;p25"/>
+          <p:cNvPr id="231" name="Google Shape;231;p25"/>
           <p:cNvSpPr txBox="1"/>
           <p:nvPr/>
         </p:nvSpPr>
@@ -15501,7 +15529,7 @@
       </p:sp>
       <p:pic>
         <p:nvPicPr>
-          <p:cNvPr id="231" name="Google Shape;231;p25"/>
+          <p:cNvPr id="232" name="Google Shape;232;p25"/>
           <p:cNvPicPr preferRelativeResize="0"/>
           <p:nvPr/>
         </p:nvPicPr>
@@ -15545,7 +15573,7 @@
   <p:cSld>
     <p:spTree>
       <p:nvGrpSpPr>
-        <p:cNvPr id="1" name="Shape 235"/>
+        <p:cNvPr id="1" name="Shape 236"/>
         <p:cNvGrpSpPr/>
         <p:nvPr/>
       </p:nvGrpSpPr>
@@ -15559,7 +15587,7 @@
       </p:grpSpPr>
       <p:sp>
         <p:nvSpPr>
-          <p:cNvPr id="236" name="Google Shape;236;p26"/>
+          <p:cNvPr id="237" name="Google Shape;237;p26"/>
           <p:cNvSpPr txBox="1"/>
           <p:nvPr/>
         </p:nvSpPr>
@@ -15625,7 +15653,7 @@
       </p:sp>
       <p:sp>
         <p:nvSpPr>
-          <p:cNvPr id="237" name="Google Shape;237;p26"/>
+          <p:cNvPr id="238" name="Google Shape;238;p26"/>
           <p:cNvSpPr txBox="1"/>
           <p:nvPr/>
         </p:nvSpPr>
@@ -15815,7 +15843,7 @@
       </p:sp>
       <p:pic>
         <p:nvPicPr>
-          <p:cNvPr id="238" name="Google Shape;238;p26"/>
+          <p:cNvPr id="239" name="Google Shape;239;p26"/>
           <p:cNvPicPr preferRelativeResize="0"/>
           <p:nvPr/>
         </p:nvPicPr>
@@ -15853,7 +15881,7 @@
       </p:pic>
       <p:pic>
         <p:nvPicPr>
-          <p:cNvPr id="239" name="Google Shape;239;p26"/>
+          <p:cNvPr id="240" name="Google Shape;240;p26"/>
           <p:cNvPicPr preferRelativeResize="0"/>
           <p:nvPr/>
         </p:nvPicPr>
@@ -15886,7 +15914,7 @@
       </p:pic>
       <p:pic>
         <p:nvPicPr>
-          <p:cNvPr id="240" name="Google Shape;240;p26"/>
+          <p:cNvPr id="241" name="Google Shape;241;p26"/>
           <p:cNvPicPr preferRelativeResize="0"/>
           <p:nvPr/>
         </p:nvPicPr>
@@ -15920,7 +15948,7 @@
       </p:pic>
       <p:sp>
         <p:nvSpPr>
-          <p:cNvPr id="241" name="Google Shape;241;p26"/>
+          <p:cNvPr id="242" name="Google Shape;242;p26"/>
           <p:cNvSpPr txBox="1"/>
           <p:nvPr/>
         </p:nvSpPr>
@@ -16207,7 +16235,7 @@
       </p:sp>
       <p:pic>
         <p:nvPicPr>
-          <p:cNvPr id="242" name="Google Shape;242;p26"/>
+          <p:cNvPr id="243" name="Google Shape;243;p26"/>
           <p:cNvPicPr preferRelativeResize="0"/>
           <p:nvPr/>
         </p:nvPicPr>
@@ -16257,7 +16285,7 @@
   <p:cSld>
     <p:spTree>
       <p:nvGrpSpPr>
-        <p:cNvPr id="1" name="Shape 246"/>
+        <p:cNvPr id="1" name="Shape 247"/>
         <p:cNvGrpSpPr/>
         <p:nvPr/>
       </p:nvGrpSpPr>
@@ -16271,7 +16299,7 @@
       </p:grpSpPr>
       <p:sp>
         <p:nvSpPr>
-          <p:cNvPr id="247" name="Google Shape;247;p27"/>
+          <p:cNvPr id="248" name="Google Shape;248;p27"/>
           <p:cNvSpPr txBox="1"/>
           <p:nvPr/>
         </p:nvSpPr>
@@ -16337,7 +16365,7 @@
       </p:sp>
       <p:sp>
         <p:nvSpPr>
-          <p:cNvPr id="248" name="Google Shape;248;p27"/>
+          <p:cNvPr id="249" name="Google Shape;249;p27"/>
           <p:cNvSpPr txBox="1"/>
           <p:nvPr/>
         </p:nvSpPr>
@@ -16621,7 +16649,7 @@
       </p:sp>
       <p:pic>
         <p:nvPicPr>
-          <p:cNvPr id="249" name="Google Shape;249;p27"/>
+          <p:cNvPr id="250" name="Google Shape;250;p27"/>
           <p:cNvPicPr preferRelativeResize="0"/>
           <p:nvPr/>
         </p:nvPicPr>
@@ -16660,7 +16688,7 @@
       </p:pic>
       <p:sp>
         <p:nvSpPr>
-          <p:cNvPr id="250" name="Google Shape;250;p27"/>
+          <p:cNvPr id="251" name="Google Shape;251;p27"/>
           <p:cNvSpPr txBox="1"/>
           <p:nvPr/>
         </p:nvSpPr>
@@ -16947,7 +16975,7 @@
       </p:sp>
       <p:pic>
         <p:nvPicPr>
-          <p:cNvPr id="251" name="Google Shape;251;p27"/>
+          <p:cNvPr id="252" name="Google Shape;252;p27"/>
           <p:cNvPicPr preferRelativeResize="0"/>
           <p:nvPr/>
         </p:nvPicPr>
@@ -16985,7 +17013,7 @@
       </p:pic>
       <p:sp>
         <p:nvSpPr>
-          <p:cNvPr id="252" name="Google Shape;252;p27"/>
+          <p:cNvPr id="253" name="Google Shape;253;p27"/>
           <p:cNvSpPr txBox="1"/>
           <p:nvPr/>
         </p:nvSpPr>
@@ -17245,7 +17273,7 @@
       </p:sp>
       <p:pic>
         <p:nvPicPr>
-          <p:cNvPr id="253" name="Google Shape;253;p27"/>
+          <p:cNvPr id="254" name="Google Shape;254;p27"/>
           <p:cNvPicPr preferRelativeResize="0"/>
           <p:nvPr/>
         </p:nvPicPr>
@@ -17290,7 +17318,7 @@
   <p:cSld>
     <p:spTree>
       <p:nvGrpSpPr>
-        <p:cNvPr id="1" name="Shape 257"/>
+        <p:cNvPr id="1" name="Shape 258"/>
         <p:cNvGrpSpPr/>
         <p:nvPr/>
       </p:nvGrpSpPr>
@@ -17304,7 +17332,7 @@
       </p:grpSpPr>
       <p:sp>
         <p:nvSpPr>
-          <p:cNvPr id="258" name="Google Shape;258;p28"/>
+          <p:cNvPr id="259" name="Google Shape;259;p28"/>
           <p:cNvSpPr txBox="1"/>
           <p:nvPr/>
         </p:nvSpPr>
@@ -17370,7 +17398,7 @@
       </p:sp>
       <p:sp>
         <p:nvSpPr>
-          <p:cNvPr id="259" name="Google Shape;259;p28"/>
+          <p:cNvPr id="260" name="Google Shape;260;p28"/>
           <p:cNvSpPr txBox="1"/>
           <p:nvPr/>
         </p:nvSpPr>
@@ -17693,7 +17721,7 @@
       </p:sp>
       <p:pic>
         <p:nvPicPr>
-          <p:cNvPr id="260" name="Google Shape;260;p28"/>
+          <p:cNvPr id="261" name="Google Shape;261;p28"/>
           <p:cNvPicPr preferRelativeResize="0"/>
           <p:nvPr/>
         </p:nvPicPr>
@@ -17732,7 +17760,7 @@
       </p:pic>
       <p:sp>
         <p:nvSpPr>
-          <p:cNvPr id="261" name="Google Shape;261;p28"/>
+          <p:cNvPr id="262" name="Google Shape;262;p28"/>
           <p:cNvSpPr txBox="1"/>
           <p:nvPr/>
         </p:nvSpPr>
@@ -18399,7 +18427,7 @@
       </p:sp>
       <p:pic>
         <p:nvPicPr>
-          <p:cNvPr id="262" name="Google Shape;262;p28"/>
+          <p:cNvPr id="263" name="Google Shape;263;p28"/>
           <p:cNvPicPr preferRelativeResize="0"/>
           <p:nvPr/>
         </p:nvPicPr>
@@ -18438,7 +18466,7 @@
       </p:pic>
       <p:sp>
         <p:nvSpPr>
-          <p:cNvPr id="263" name="Google Shape;263;p28"/>
+          <p:cNvPr id="264" name="Google Shape;264;p28"/>
           <p:cNvSpPr txBox="1"/>
           <p:nvPr/>
         </p:nvSpPr>
@@ -18605,7 +18633,7 @@
       </p:sp>
       <p:pic>
         <p:nvPicPr>
-          <p:cNvPr id="264" name="Google Shape;264;p28"/>
+          <p:cNvPr id="265" name="Google Shape;265;p28"/>
           <p:cNvPicPr preferRelativeResize="0"/>
           <p:nvPr/>
         </p:nvPicPr>
@@ -18655,7 +18683,7 @@
   <p:cSld>
     <p:spTree>
       <p:nvGrpSpPr>
-        <p:cNvPr id="1" name="Shape 268"/>
+        <p:cNvPr id="1" name="Shape 269"/>
         <p:cNvGrpSpPr/>
         <p:nvPr/>
       </p:nvGrpSpPr>
@@ -18669,7 +18697,7 @@
       </p:grpSpPr>
       <p:sp>
         <p:nvSpPr>
-          <p:cNvPr id="269" name="Google Shape;269;p29"/>
+          <p:cNvPr id="270" name="Google Shape;270;p29"/>
           <p:cNvSpPr txBox="1"/>
           <p:nvPr/>
         </p:nvSpPr>
@@ -18735,325 +18763,13 @@
       </p:sp>
       <p:sp>
         <p:nvSpPr>
-          <p:cNvPr id="270" name="Google Shape;270;p29"/>
+          <p:cNvPr id="271" name="Google Shape;271;p29"/>
           <p:cNvSpPr txBox="1"/>
           <p:nvPr/>
         </p:nvSpPr>
         <p:spPr>
           <a:xfrm>
-            <a:off x="116150" y="481575"/>
-            <a:ext cx="4432500" cy="880500"/>
-          </a:xfrm>
-          <a:prstGeom prst="rect">
-            <a:avLst/>
-          </a:prstGeom>
-          <a:solidFill>
-            <a:srgbClr val="FFF2CC"/>
-          </a:solidFill>
-          <a:ln w="9525" cap="flat" cmpd="sng">
-            <a:solidFill>
-              <a:srgbClr val="FF0000"/>
-            </a:solidFill>
-            <a:prstDash val="solid"/>
-            <a:round/>
-            <a:headEnd type="none" w="sm" len="sm"/>
-            <a:tailEnd type="none" w="sm" len="sm"/>
-          </a:ln>
-        </p:spPr>
-        <p:txBody>
-          <a:bodyPr spcFirstLastPara="1" wrap="square" lIns="9125" tIns="9125" rIns="9125" bIns="9125" anchor="t" anchorCtr="0">
-            <a:spAutoFit/>
-          </a:bodyPr>
-          <a:lstStyle/>
-          <a:p>
-            <a:pPr marL="171450" marR="0" lvl="0" indent="-133350" algn="l" rtl="0">
-              <a:lnSpc>
-                <a:spcPct val="100000"/>
-              </a:lnSpc>
-              <a:spcBef>
-                <a:spcPts val="0"/>
-              </a:spcBef>
-              <a:spcAft>
-                <a:spcPts val="0"/>
-              </a:spcAft>
-              <a:buClr>
-                <a:srgbClr val="FF0000"/>
-              </a:buClr>
-              <a:buSzPts val="1200"/>
-              <a:buFont typeface="Calibri"/>
-              <a:buChar char="●"/>
-            </a:pPr>
-            <a:r>
-              <a:rPr lang="en" sz="1200" b="1">
-                <a:solidFill>
-                  <a:srgbClr val="FF0000"/>
-                </a:solidFill>
-                <a:latin typeface="Calibri"/>
-                <a:ea typeface="Calibri"/>
-                <a:cs typeface="Calibri"/>
-                <a:sym typeface="Calibri"/>
-              </a:rPr>
-              <a:t>Tencent’s Hunyuan Image 3.0 beats Google’s Nano Banana</a:t>
-            </a:r>
-            <a:endParaRPr sz="1200" b="1">
-              <a:solidFill>
-                <a:srgbClr val="FF0000"/>
-              </a:solidFill>
-              <a:latin typeface="Calibri"/>
-              <a:ea typeface="Calibri"/>
-              <a:cs typeface="Calibri"/>
-              <a:sym typeface="Calibri"/>
-            </a:endParaRPr>
-          </a:p>
-          <a:p>
-            <a:pPr marL="171450" marR="0" lvl="0" indent="-133350" algn="l" rtl="0">
-              <a:lnSpc>
-                <a:spcPct val="100000"/>
-              </a:lnSpc>
-              <a:spcBef>
-                <a:spcPts val="0"/>
-              </a:spcBef>
-              <a:spcAft>
-                <a:spcPts val="0"/>
-              </a:spcAft>
-              <a:buClr>
-                <a:schemeClr val="dk1"/>
-              </a:buClr>
-              <a:buSzPts val="1200"/>
-              <a:buFont typeface="Calibri"/>
-              <a:buChar char="●"/>
-            </a:pPr>
-            <a:r>
-              <a:rPr lang="en" sz="1200">
-                <a:solidFill>
-                  <a:schemeClr val="dk1"/>
-                </a:solidFill>
-                <a:latin typeface="Calibri"/>
-                <a:ea typeface="Calibri"/>
-                <a:cs typeface="Calibri"/>
-                <a:sym typeface="Calibri"/>
-              </a:rPr>
-              <a:t>Biggest open-source image-generation model</a:t>
-            </a:r>
-            <a:endParaRPr sz="1200">
-              <a:solidFill>
-                <a:schemeClr val="dk1"/>
-              </a:solidFill>
-              <a:latin typeface="Calibri"/>
-              <a:ea typeface="Calibri"/>
-              <a:cs typeface="Calibri"/>
-              <a:sym typeface="Calibri"/>
-            </a:endParaRPr>
-          </a:p>
-          <a:p>
-            <a:pPr marL="171450" marR="0" lvl="0" indent="-107950" algn="l" rtl="0">
-              <a:lnSpc>
-                <a:spcPct val="100000"/>
-              </a:lnSpc>
-              <a:spcBef>
-                <a:spcPts val="0"/>
-              </a:spcBef>
-              <a:spcAft>
-                <a:spcPts val="0"/>
-              </a:spcAft>
-              <a:buClr>
-                <a:schemeClr val="dk1"/>
-              </a:buClr>
-              <a:buSzPts val="800"/>
-              <a:buFont typeface="Calibri"/>
-              <a:buChar char="●"/>
-            </a:pPr>
-            <a:r>
-              <a:rPr lang="en" sz="800" u="sng">
-                <a:solidFill>
-                  <a:schemeClr val="hlink"/>
-                </a:solidFill>
-                <a:latin typeface="Calibri"/>
-                <a:ea typeface="Calibri"/>
-                <a:cs typeface="Calibri"/>
-                <a:sym typeface="Calibri"/>
-                <a:hlinkClick r:id="rId3"/>
-              </a:rPr>
-              <a:t>https://hunyuan-image.com</a:t>
-            </a:r>
-            <a:r>
-              <a:rPr lang="en" sz="800">
-                <a:solidFill>
-                  <a:schemeClr val="dk1"/>
-                </a:solidFill>
-                <a:latin typeface="Calibri"/>
-                <a:ea typeface="Calibri"/>
-                <a:cs typeface="Calibri"/>
-                <a:sym typeface="Calibri"/>
-              </a:rPr>
-              <a:t> </a:t>
-            </a:r>
-            <a:endParaRPr sz="800">
-              <a:solidFill>
-                <a:schemeClr val="dk1"/>
-              </a:solidFill>
-              <a:latin typeface="Calibri"/>
-              <a:ea typeface="Calibri"/>
-              <a:cs typeface="Calibri"/>
-              <a:sym typeface="Calibri"/>
-            </a:endParaRPr>
-          </a:p>
-          <a:p>
-            <a:pPr marL="171450" marR="0" lvl="0" indent="-107950" algn="l" rtl="0">
-              <a:lnSpc>
-                <a:spcPct val="100000"/>
-              </a:lnSpc>
-              <a:spcBef>
-                <a:spcPts val="0"/>
-              </a:spcBef>
-              <a:spcAft>
-                <a:spcPts val="0"/>
-              </a:spcAft>
-              <a:buClr>
-                <a:schemeClr val="dk1"/>
-              </a:buClr>
-              <a:buSzPts val="800"/>
-              <a:buFont typeface="Calibri"/>
-              <a:buChar char="●"/>
-            </a:pPr>
-            <a:r>
-              <a:rPr lang="en" sz="800" u="sng">
-                <a:solidFill>
-                  <a:schemeClr val="hlink"/>
-                </a:solidFill>
-                <a:latin typeface="Calibri"/>
-                <a:ea typeface="Calibri"/>
-                <a:cs typeface="Calibri"/>
-                <a:sym typeface="Calibri"/>
-                <a:hlinkClick r:id="rId4"/>
-              </a:rPr>
-              <a:t>https://github.com/Tencent-Hunyuan/HunyuanImage-3.0</a:t>
-            </a:r>
-            <a:r>
-              <a:rPr lang="en" sz="800">
-                <a:solidFill>
-                  <a:schemeClr val="dk1"/>
-                </a:solidFill>
-                <a:latin typeface="Calibri"/>
-                <a:ea typeface="Calibri"/>
-                <a:cs typeface="Calibri"/>
-                <a:sym typeface="Calibri"/>
-              </a:rPr>
-              <a:t> </a:t>
-            </a:r>
-            <a:endParaRPr sz="800">
-              <a:solidFill>
-                <a:schemeClr val="dk1"/>
-              </a:solidFill>
-              <a:latin typeface="Calibri"/>
-              <a:ea typeface="Calibri"/>
-              <a:cs typeface="Calibri"/>
-              <a:sym typeface="Calibri"/>
-            </a:endParaRPr>
-          </a:p>
-          <a:p>
-            <a:pPr marL="171450" marR="0" lvl="0" indent="-107950" algn="l" rtl="0">
-              <a:lnSpc>
-                <a:spcPct val="100000"/>
-              </a:lnSpc>
-              <a:spcBef>
-                <a:spcPts val="0"/>
-              </a:spcBef>
-              <a:spcAft>
-                <a:spcPts val="0"/>
-              </a:spcAft>
-              <a:buClr>
-                <a:schemeClr val="dk1"/>
-              </a:buClr>
-              <a:buSzPts val="800"/>
-              <a:buFont typeface="Calibri"/>
-              <a:buChar char="●"/>
-            </a:pPr>
-            <a:r>
-              <a:rPr lang="en" sz="800" u="sng">
-                <a:solidFill>
-                  <a:schemeClr val="hlink"/>
-                </a:solidFill>
-                <a:latin typeface="Calibri"/>
-                <a:ea typeface="Calibri"/>
-                <a:cs typeface="Calibri"/>
-                <a:sym typeface="Calibri"/>
-                <a:hlinkClick r:id="rId5"/>
-              </a:rPr>
-              <a:t>https://www.reddit.com/r/LocalLLaMA/comments/1ny022j/open_source_texttoimage_hunyuan_30_by_tencent_is/</a:t>
-            </a:r>
-            <a:r>
-              <a:rPr lang="en" sz="800">
-                <a:solidFill>
-                  <a:schemeClr val="dk1"/>
-                </a:solidFill>
-                <a:latin typeface="Calibri"/>
-                <a:ea typeface="Calibri"/>
-                <a:cs typeface="Calibri"/>
-                <a:sym typeface="Calibri"/>
-              </a:rPr>
-              <a:t> </a:t>
-            </a:r>
-            <a:endParaRPr sz="800">
-              <a:solidFill>
-                <a:schemeClr val="dk1"/>
-              </a:solidFill>
-              <a:latin typeface="Calibri"/>
-              <a:ea typeface="Calibri"/>
-              <a:cs typeface="Calibri"/>
-              <a:sym typeface="Calibri"/>
-            </a:endParaRPr>
-          </a:p>
-        </p:txBody>
-      </p:sp>
-      <p:pic>
-        <p:nvPicPr>
-          <p:cNvPr id="271" name="Google Shape;271;p29"/>
-          <p:cNvPicPr preferRelativeResize="0"/>
-          <p:nvPr/>
-        </p:nvPicPr>
-        <p:blipFill>
-          <a:blip r:embed="rId6" cstate="email">
-            <a:alphaModFix/>
-            <a:extLst>
-              <a:ext uri="{28A0092B-C50C-407E-A947-70E740481C1C}">
-                <a14:useLocalDpi xmlns:a14="http://schemas.microsoft.com/office/drawing/2010/main"/>
-              </a:ext>
-            </a:extLst>
-          </a:blip>
-          <a:stretch>
-            <a:fillRect/>
-          </a:stretch>
-        </p:blipFill>
-        <p:spPr>
-          <a:xfrm>
-            <a:off x="4679178" y="103975"/>
-            <a:ext cx="2517950" cy="2014375"/>
-          </a:xfrm>
-          <a:prstGeom prst="rect">
-            <a:avLst/>
-          </a:prstGeom>
-          <a:noFill/>
-          <a:ln w="9525" cap="flat" cmpd="sng">
-            <a:solidFill>
-              <a:srgbClr val="FF0000"/>
-            </a:solidFill>
-            <a:prstDash val="solid"/>
-            <a:round/>
-            <a:headEnd type="none" w="sm" len="sm"/>
-            <a:tailEnd type="none" w="sm" len="sm"/>
-          </a:ln>
-        </p:spPr>
-      </p:pic>
-      <p:sp>
-        <p:nvSpPr>
-          <p:cNvPr id="272" name="Google Shape;272;p29"/>
-          <p:cNvSpPr txBox="1"/>
-          <p:nvPr/>
-        </p:nvSpPr>
-        <p:spPr>
-          <a:xfrm>
-            <a:off x="116150" y="2404025"/>
+            <a:off x="116150" y="2407778"/>
             <a:ext cx="4432500" cy="572700"/>
           </a:xfrm>
           <a:prstGeom prst="rect">
@@ -19184,12 +18900,12 @@
       </p:sp>
       <p:pic>
         <p:nvPicPr>
-          <p:cNvPr id="273" name="Google Shape;273;p29"/>
+          <p:cNvPr id="272" name="Google Shape;272;p29"/>
           <p:cNvPicPr preferRelativeResize="0"/>
           <p:nvPr/>
         </p:nvPicPr>
         <p:blipFill rotWithShape="1">
-          <a:blip r:embed="rId7" cstate="email">
+          <a:blip r:embed="rId3" cstate="email">
             <a:alphaModFix/>
             <a:extLst>
               <a:ext uri="{28A0092B-C50C-407E-A947-70E740481C1C}">
@@ -19202,7 +18918,7 @@
         </p:blipFill>
         <p:spPr>
           <a:xfrm>
-            <a:off x="4679175" y="2189775"/>
+            <a:off x="4679175" y="2007265"/>
             <a:ext cx="1639549" cy="1373700"/>
           </a:xfrm>
           <a:prstGeom prst="rect">
@@ -19222,13 +18938,13 @@
       </p:pic>
       <p:sp>
         <p:nvSpPr>
-          <p:cNvPr id="274" name="Google Shape;274;p29"/>
+          <p:cNvPr id="273" name="Google Shape;273;p29"/>
           <p:cNvSpPr txBox="1"/>
           <p:nvPr/>
         </p:nvSpPr>
         <p:spPr>
           <a:xfrm>
-            <a:off x="116150" y="3695375"/>
+            <a:off x="116150" y="3956540"/>
             <a:ext cx="4432500" cy="1126800"/>
           </a:xfrm>
           <a:prstGeom prst="rect">
@@ -19439,7 +19155,7 @@
                 <a:ea typeface="Calibri"/>
                 <a:cs typeface="Calibri"/>
                 <a:sym typeface="Calibri"/>
-                <a:hlinkClick r:id="rId8"/>
+                <a:hlinkClick r:id="rId4"/>
               </a:rPr>
               <a:t>https://reflection.ai</a:t>
             </a:r>
@@ -19492,7 +19208,7 @@
                 <a:ea typeface="Calibri"/>
                 <a:cs typeface="Calibri"/>
                 <a:sym typeface="Calibri"/>
-                <a:hlinkClick r:id="rId9"/>
+                <a:hlinkClick r:id="rId5"/>
               </a:rPr>
               <a:t>https://www.reuters.com/business/nvidia-backed-reflection-ai-raises-2-billion-funding-boosts-valuation-8-billion-2025-10-09/</a:t>
             </a:r>
@@ -19522,12 +19238,12 @@
       </p:sp>
       <p:pic>
         <p:nvPicPr>
-          <p:cNvPr id="275" name="Google Shape;275;p29"/>
+          <p:cNvPr id="274" name="Google Shape;274;p29"/>
           <p:cNvPicPr preferRelativeResize="0"/>
           <p:nvPr/>
         </p:nvPicPr>
         <p:blipFill>
-          <a:blip r:embed="rId10" cstate="email">
+          <a:blip r:embed="rId6" cstate="email">
             <a:alphaModFix/>
             <a:extLst>
               <a:ext uri="{28A0092B-C50C-407E-A947-70E740481C1C}">
@@ -19541,7 +19257,7 @@
         </p:blipFill>
         <p:spPr>
           <a:xfrm>
-            <a:off x="4679175" y="4007325"/>
+            <a:off x="4679175" y="4268490"/>
             <a:ext cx="2025300" cy="634431"/>
           </a:xfrm>
           <a:prstGeom prst="rect">
@@ -19561,14 +19277,14 @@
       </p:pic>
       <p:sp>
         <p:nvSpPr>
-          <p:cNvPr id="276" name="Google Shape;276;p29"/>
+          <p:cNvPr id="275" name="Google Shape;275;p29"/>
           <p:cNvSpPr txBox="1"/>
           <p:nvPr/>
         </p:nvSpPr>
         <p:spPr>
           <a:xfrm>
             <a:off x="6804800" y="3519950"/>
-            <a:ext cx="2278500" cy="326400"/>
+            <a:ext cx="2278500" cy="510900"/>
           </a:xfrm>
           <a:prstGeom prst="rect">
             <a:avLst/>
@@ -19621,7 +19337,7 @@
               </a:rPr>
               <a:t>Figure 3rd Gen Humanoid Robot</a:t>
             </a:r>
-            <a:endParaRPr sz="800" b="1">
+            <a:endParaRPr sz="1200" b="1">
               <a:solidFill>
                 <a:srgbClr val="FF0000"/>
               </a:solidFill>
@@ -19632,6 +19348,46 @@
             </a:endParaRPr>
           </a:p>
           <a:p>
+            <a:pPr marL="171450" marR="0" lvl="0" indent="-133350" algn="l" rtl="0">
+              <a:lnSpc>
+                <a:spcPct val="100000"/>
+              </a:lnSpc>
+              <a:spcBef>
+                <a:spcPts val="0"/>
+              </a:spcBef>
+              <a:spcAft>
+                <a:spcPts val="0"/>
+              </a:spcAft>
+              <a:buClr>
+                <a:srgbClr val="3C78D8"/>
+              </a:buClr>
+              <a:buSzPts val="1200"/>
+              <a:buFont typeface="Calibri"/>
+              <a:buChar char="●"/>
+            </a:pPr>
+            <a:r>
+              <a:rPr lang="en" sz="1200" b="1">
+                <a:solidFill>
+                  <a:srgbClr val="3C78D8"/>
+                </a:solidFill>
+                <a:latin typeface="Calibri"/>
+                <a:ea typeface="Calibri"/>
+                <a:cs typeface="Calibri"/>
+                <a:sym typeface="Calibri"/>
+              </a:rPr>
+              <a:t>Early Price $5,900</a:t>
+            </a:r>
+            <a:endParaRPr sz="1200" b="1">
+              <a:solidFill>
+                <a:srgbClr val="3C78D8"/>
+              </a:solidFill>
+              <a:latin typeface="Calibri"/>
+              <a:ea typeface="Calibri"/>
+              <a:cs typeface="Calibri"/>
+              <a:sym typeface="Calibri"/>
+            </a:endParaRPr>
+          </a:p>
+          <a:p>
             <a:pPr marL="171450" marR="0" lvl="0" indent="-107950" algn="l" rtl="0">
               <a:lnSpc>
                 <a:spcPct val="100000"/>
@@ -19658,7 +19414,7 @@
                 <a:ea typeface="Calibri"/>
                 <a:cs typeface="Calibri"/>
                 <a:sym typeface="Calibri"/>
-                <a:hlinkClick r:id="rId11"/>
+                <a:hlinkClick r:id="rId7"/>
               </a:rPr>
               <a:t>https://www.figure.ai/news/introducing-figure-03</a:t>
             </a:r>
@@ -19676,12 +19432,12 @@
       </p:sp>
       <p:pic>
         <p:nvPicPr>
-          <p:cNvPr id="277" name="Google Shape;277;p29"/>
+          <p:cNvPr id="276" name="Google Shape;276;p29"/>
           <p:cNvPicPr preferRelativeResize="0"/>
           <p:nvPr/>
         </p:nvPicPr>
         <p:blipFill>
-          <a:blip r:embed="rId12" cstate="email">
+          <a:blip r:embed="rId8" cstate="email">
             <a:alphaModFix/>
             <a:extLst>
               <a:ext uri="{28A0092B-C50C-407E-A947-70E740481C1C}">
@@ -19713,6 +19469,252 @@
           </a:ln>
         </p:spPr>
       </p:pic>
+      <p:sp>
+        <p:nvSpPr>
+          <p:cNvPr id="277" name="Google Shape;277;p29"/>
+          <p:cNvSpPr txBox="1"/>
+          <p:nvPr/>
+        </p:nvSpPr>
+        <p:spPr>
+          <a:xfrm>
+            <a:off x="116150" y="526400"/>
+            <a:ext cx="2996100" cy="1326900"/>
+          </a:xfrm>
+          <a:prstGeom prst="rect">
+            <a:avLst/>
+          </a:prstGeom>
+          <a:solidFill>
+            <a:srgbClr val="FFF2CC"/>
+          </a:solidFill>
+          <a:ln w="9525" cap="flat" cmpd="sng">
+            <a:solidFill>
+              <a:srgbClr val="FF0000"/>
+            </a:solidFill>
+            <a:prstDash val="solid"/>
+            <a:round/>
+            <a:headEnd type="none" w="sm" len="sm"/>
+            <a:tailEnd type="none" w="sm" len="sm"/>
+          </a:ln>
+        </p:spPr>
+        <p:txBody>
+          <a:bodyPr spcFirstLastPara="1" wrap="square" lIns="9125" tIns="9125" rIns="9125" bIns="9125" anchor="t" anchorCtr="0">
+            <a:spAutoFit/>
+          </a:bodyPr>
+          <a:lstStyle/>
+          <a:p>
+            <a:pPr marL="171450" marR="0" lvl="0" indent="-127000" algn="l" rtl="0">
+              <a:lnSpc>
+                <a:spcPct val="100000"/>
+              </a:lnSpc>
+              <a:spcBef>
+                <a:spcPts val="0"/>
+              </a:spcBef>
+              <a:spcAft>
+                <a:spcPts val="0"/>
+              </a:spcAft>
+              <a:buClr>
+                <a:srgbClr val="FF0000"/>
+              </a:buClr>
+              <a:buSzPts val="1100"/>
+              <a:buFont typeface="Calibri"/>
+              <a:buChar char="●"/>
+            </a:pPr>
+            <a:r>
+              <a:rPr lang="en" sz="1100" b="1">
+                <a:solidFill>
+                  <a:srgbClr val="FF0000"/>
+                </a:solidFill>
+                <a:latin typeface="Calibri"/>
+                <a:ea typeface="Calibri"/>
+                <a:cs typeface="Calibri"/>
+                <a:sym typeface="Calibri"/>
+              </a:rPr>
+              <a:t>Google Opal</a:t>
+            </a:r>
+            <a:endParaRPr sz="1100" b="1">
+              <a:solidFill>
+                <a:srgbClr val="FF0000"/>
+              </a:solidFill>
+              <a:latin typeface="Calibri"/>
+              <a:ea typeface="Calibri"/>
+              <a:cs typeface="Calibri"/>
+              <a:sym typeface="Calibri"/>
+            </a:endParaRPr>
+          </a:p>
+          <a:p>
+            <a:pPr marL="171450" marR="0" lvl="0" indent="-127000" algn="l" rtl="0">
+              <a:lnSpc>
+                <a:spcPct val="100000"/>
+              </a:lnSpc>
+              <a:spcBef>
+                <a:spcPts val="0"/>
+              </a:spcBef>
+              <a:spcAft>
+                <a:spcPts val="0"/>
+              </a:spcAft>
+              <a:buClr>
+                <a:schemeClr val="dk1"/>
+              </a:buClr>
+              <a:buSzPts val="1100"/>
+              <a:buFont typeface="Calibri"/>
+              <a:buChar char="●"/>
+            </a:pPr>
+            <a:r>
+              <a:rPr lang="en" sz="1100">
+                <a:solidFill>
+                  <a:schemeClr val="dk1"/>
+                </a:solidFill>
+                <a:latin typeface="Calibri"/>
+                <a:ea typeface="Calibri"/>
+                <a:cs typeface="Calibri"/>
+                <a:sym typeface="Calibri"/>
+              </a:rPr>
+              <a:t>An experimental, no-code AI platform that allows users to build "mini-apps" by describing their function in natural language.</a:t>
+            </a:r>
+            <a:endParaRPr sz="1100">
+              <a:solidFill>
+                <a:schemeClr val="dk1"/>
+              </a:solidFill>
+              <a:latin typeface="Calibri"/>
+              <a:ea typeface="Calibri"/>
+              <a:cs typeface="Calibri"/>
+              <a:sym typeface="Calibri"/>
+            </a:endParaRPr>
+          </a:p>
+          <a:p>
+            <a:pPr marL="171450" marR="0" lvl="0" indent="-127000" algn="l" rtl="0">
+              <a:lnSpc>
+                <a:spcPct val="100000"/>
+              </a:lnSpc>
+              <a:spcBef>
+                <a:spcPts val="0"/>
+              </a:spcBef>
+              <a:spcAft>
+                <a:spcPts val="0"/>
+              </a:spcAft>
+              <a:buClr>
+                <a:schemeClr val="dk1"/>
+              </a:buClr>
+              <a:buSzPts val="1100"/>
+              <a:buFont typeface="Calibri"/>
+              <a:buChar char="●"/>
+            </a:pPr>
+            <a:r>
+              <a:rPr lang="en" sz="1100">
+                <a:solidFill>
+                  <a:schemeClr val="dk1"/>
+                </a:solidFill>
+                <a:latin typeface="Calibri"/>
+                <a:ea typeface="Calibri"/>
+                <a:cs typeface="Calibri"/>
+                <a:sym typeface="Calibri"/>
+              </a:rPr>
+              <a:t>Very fast (almost instant, in seconds), users can also edit the visual workflow for more fine-grained control.</a:t>
+            </a:r>
+            <a:endParaRPr sz="1100">
+              <a:solidFill>
+                <a:schemeClr val="dk1"/>
+              </a:solidFill>
+              <a:latin typeface="Calibri"/>
+              <a:ea typeface="Calibri"/>
+              <a:cs typeface="Calibri"/>
+              <a:sym typeface="Calibri"/>
+            </a:endParaRPr>
+          </a:p>
+          <a:p>
+            <a:pPr marL="171450" marR="0" lvl="0" indent="-107950" algn="l" rtl="0">
+              <a:lnSpc>
+                <a:spcPct val="100000"/>
+              </a:lnSpc>
+              <a:spcBef>
+                <a:spcPts val="0"/>
+              </a:spcBef>
+              <a:spcAft>
+                <a:spcPts val="0"/>
+              </a:spcAft>
+              <a:buClr>
+                <a:schemeClr val="dk1"/>
+              </a:buClr>
+              <a:buSzPts val="800"/>
+              <a:buFont typeface="Calibri"/>
+              <a:buChar char="●"/>
+            </a:pPr>
+            <a:r>
+              <a:rPr lang="en" sz="800" u="sng">
+                <a:solidFill>
+                  <a:schemeClr val="hlink"/>
+                </a:solidFill>
+                <a:latin typeface="Calibri"/>
+                <a:ea typeface="Calibri"/>
+                <a:cs typeface="Calibri"/>
+                <a:sym typeface="Calibri"/>
+                <a:hlinkClick r:id="rId9"/>
+              </a:rPr>
+              <a:t>https://opal.withgoogle.com/landing/</a:t>
+            </a:r>
+            <a:r>
+              <a:rPr lang="en" sz="800">
+                <a:solidFill>
+                  <a:schemeClr val="dk1"/>
+                </a:solidFill>
+                <a:latin typeface="Calibri"/>
+                <a:ea typeface="Calibri"/>
+                <a:cs typeface="Calibri"/>
+                <a:sym typeface="Calibri"/>
+              </a:rPr>
+              <a:t> </a:t>
+            </a:r>
+            <a:endParaRPr sz="800">
+              <a:solidFill>
+                <a:schemeClr val="dk1"/>
+              </a:solidFill>
+              <a:latin typeface="Calibri"/>
+              <a:ea typeface="Calibri"/>
+              <a:cs typeface="Calibri"/>
+              <a:sym typeface="Calibri"/>
+            </a:endParaRPr>
+          </a:p>
+        </p:txBody>
+      </p:sp>
+      <p:pic>
+        <p:nvPicPr>
+          <p:cNvPr id="278" name="Google Shape;278;p29"/>
+          <p:cNvPicPr preferRelativeResize="0"/>
+          <p:nvPr/>
+        </p:nvPicPr>
+        <p:blipFill>
+          <a:blip r:embed="rId10" cstate="email">
+            <a:alphaModFix/>
+            <a:extLst>
+              <a:ext uri="{28A0092B-C50C-407E-A947-70E740481C1C}">
+                <a14:useLocalDpi xmlns:a14="http://schemas.microsoft.com/office/drawing/2010/main"/>
+              </a:ext>
+            </a:extLst>
+          </a:blip>
+          <a:stretch>
+            <a:fillRect/>
+          </a:stretch>
+        </p:blipFill>
+        <p:spPr>
+          <a:xfrm>
+            <a:off x="3182568" y="615393"/>
+            <a:ext cx="1226680" cy="816300"/>
+          </a:xfrm>
+          <a:prstGeom prst="rect">
+            <a:avLst/>
+          </a:prstGeom>
+          <a:noFill/>
+          <a:ln w="9525" cap="flat" cmpd="sng">
+            <a:solidFill>
+              <a:srgbClr val="FF0000"/>
+            </a:solidFill>
+            <a:prstDash val="solid"/>
+            <a:round/>
+            <a:headEnd type="none" w="sm" len="sm"/>
+            <a:tailEnd type="none" w="sm" len="sm"/>
+          </a:ln>
+        </p:spPr>
+      </p:pic>
     </p:spTree>
   </p:cSld>
   <p:clrMapOvr>
@@ -19726,7 +19728,7 @@
   <p:cSld>
     <p:spTree>
       <p:nvGrpSpPr>
-        <p:cNvPr id="1" name="Shape 281"/>
+        <p:cNvPr id="1" name="Shape 282"/>
         <p:cNvGrpSpPr/>
         <p:nvPr/>
       </p:nvGrpSpPr>
@@ -19740,7 +19742,7 @@
       </p:grpSpPr>
       <p:sp>
         <p:nvSpPr>
-          <p:cNvPr id="282" name="Google Shape;282;p30"/>
+          <p:cNvPr id="283" name="Google Shape;283;p30"/>
           <p:cNvSpPr txBox="1"/>
           <p:nvPr/>
         </p:nvSpPr>
@@ -19806,7 +19808,7 @@
       </p:sp>
       <p:sp>
         <p:nvSpPr>
-          <p:cNvPr id="283" name="Google Shape;283;p30"/>
+          <p:cNvPr id="284" name="Google Shape;284;p30"/>
           <p:cNvSpPr txBox="1"/>
           <p:nvPr/>
         </p:nvSpPr>
@@ -20228,7 +20230,7 @@
       </p:sp>
       <p:pic>
         <p:nvPicPr>
-          <p:cNvPr id="284" name="Google Shape;284;p30"/>
+          <p:cNvPr id="285" name="Google Shape;285;p30"/>
           <p:cNvPicPr preferRelativeResize="0"/>
           <p:nvPr/>
         </p:nvPicPr>
@@ -20256,7 +20258,7 @@
       </p:pic>
       <p:sp>
         <p:nvSpPr>
-          <p:cNvPr id="285" name="Google Shape;285;p30"/>
+          <p:cNvPr id="286" name="Google Shape;286;p30"/>
           <p:cNvSpPr txBox="1"/>
           <p:nvPr/>
         </p:nvSpPr>
@@ -20383,7 +20385,7 @@
       </p:sp>
       <p:pic>
         <p:nvPicPr>
-          <p:cNvPr id="286" name="Google Shape;286;p30"/>
+          <p:cNvPr id="287" name="Google Shape;287;p30"/>
           <p:cNvPicPr preferRelativeResize="0"/>
           <p:nvPr/>
         </p:nvPicPr>
@@ -20427,7 +20429,7 @@
   <p:cSld>
     <p:spTree>
       <p:nvGrpSpPr>
-        <p:cNvPr id="1" name="Shape 290"/>
+        <p:cNvPr id="1" name="Shape 291"/>
         <p:cNvGrpSpPr/>
         <p:nvPr/>
       </p:nvGrpSpPr>
@@ -20441,7 +20443,7 @@
       </p:grpSpPr>
       <p:sp>
         <p:nvSpPr>
-          <p:cNvPr id="291" name="Google Shape;291;p31"/>
+          <p:cNvPr id="292" name="Google Shape;292;p31"/>
           <p:cNvSpPr txBox="1"/>
           <p:nvPr/>
         </p:nvSpPr>
@@ -20507,7 +20509,7 @@
       </p:sp>
       <p:sp>
         <p:nvSpPr>
-          <p:cNvPr id="292" name="Google Shape;292;p31"/>
+          <p:cNvPr id="293" name="Google Shape;293;p31"/>
           <p:cNvSpPr txBox="1"/>
           <p:nvPr/>
         </p:nvSpPr>
@@ -21303,7 +21305,7 @@
       </p:sp>
       <p:pic>
         <p:nvPicPr>
-          <p:cNvPr id="293" name="Google Shape;293;p31"/>
+          <p:cNvPr id="294" name="Google Shape;294;p31"/>
           <p:cNvPicPr preferRelativeResize="0"/>
           <p:nvPr/>
         </p:nvPicPr>
@@ -21342,7 +21344,7 @@
       </p:pic>
       <p:sp>
         <p:nvSpPr>
-          <p:cNvPr id="294" name="Google Shape;294;p31"/>
+          <p:cNvPr id="295" name="Google Shape;295;p31"/>
           <p:cNvSpPr txBox="1"/>
           <p:nvPr/>
         </p:nvSpPr>
@@ -21709,7 +21711,7 @@
   <p:cSld>
     <p:spTree>
       <p:nvGrpSpPr>
-        <p:cNvPr id="1" name="Shape 298"/>
+        <p:cNvPr id="1" name="Shape 299"/>
         <p:cNvGrpSpPr/>
         <p:nvPr/>
       </p:nvGrpSpPr>
@@ -21723,7 +21725,7 @@
       </p:grpSpPr>
       <p:sp>
         <p:nvSpPr>
-          <p:cNvPr id="299" name="Google Shape;299;p32"/>
+          <p:cNvPr id="300" name="Google Shape;300;p32"/>
           <p:cNvSpPr txBox="1"/>
           <p:nvPr/>
         </p:nvSpPr>
@@ -21789,7 +21791,7 @@
       </p:sp>
       <p:sp>
         <p:nvSpPr>
-          <p:cNvPr id="300" name="Google Shape;300;p32"/>
+          <p:cNvPr id="301" name="Google Shape;301;p32"/>
           <p:cNvSpPr txBox="1"/>
           <p:nvPr/>
         </p:nvSpPr>
@@ -22396,7 +22398,7 @@
       </p:sp>
       <p:pic>
         <p:nvPicPr>
-          <p:cNvPr id="301" name="Google Shape;301;p32"/>
+          <p:cNvPr id="302" name="Google Shape;302;p32"/>
           <p:cNvPicPr preferRelativeResize="0"/>
           <p:nvPr/>
         </p:nvPicPr>
@@ -22435,7 +22437,7 @@
   <p:cSld>
     <p:spTree>
       <p:nvGrpSpPr>
-        <p:cNvPr id="1" name="Shape 305"/>
+        <p:cNvPr id="1" name="Shape 306"/>
         <p:cNvGrpSpPr/>
         <p:nvPr/>
       </p:nvGrpSpPr>
@@ -22449,7 +22451,7 @@
       </p:grpSpPr>
       <p:sp>
         <p:nvSpPr>
-          <p:cNvPr id="306" name="Google Shape;306;p33"/>
+          <p:cNvPr id="307" name="Google Shape;307;p33"/>
           <p:cNvSpPr txBox="1"/>
           <p:nvPr/>
         </p:nvSpPr>
@@ -22515,7 +22517,7 @@
       </p:sp>
       <p:sp>
         <p:nvSpPr>
-          <p:cNvPr id="307" name="Google Shape;307;p33"/>
+          <p:cNvPr id="308" name="Google Shape;308;p33"/>
           <p:cNvSpPr txBox="1"/>
           <p:nvPr/>
         </p:nvSpPr>
@@ -22643,7 +22645,7 @@
       </p:sp>
       <p:sp>
         <p:nvSpPr>
-          <p:cNvPr id="308" name="Google Shape;308;p33"/>
+          <p:cNvPr id="309" name="Google Shape;309;p33"/>
           <p:cNvSpPr txBox="1"/>
           <p:nvPr/>
         </p:nvSpPr>
@@ -22870,7 +22872,7 @@
       </p:sp>
       <p:sp>
         <p:nvSpPr>
-          <p:cNvPr id="309" name="Google Shape;309;p33"/>
+          <p:cNvPr id="310" name="Google Shape;310;p33"/>
           <p:cNvSpPr txBox="1"/>
           <p:nvPr/>
         </p:nvSpPr>
@@ -23043,7 +23045,7 @@
       </p:sp>
       <p:sp>
         <p:nvSpPr>
-          <p:cNvPr id="310" name="Google Shape;310;p33"/>
+          <p:cNvPr id="311" name="Google Shape;311;p33"/>
           <p:cNvSpPr txBox="1"/>
           <p:nvPr/>
         </p:nvSpPr>
@@ -23234,7 +23236,7 @@
       </p:sp>
       <p:sp>
         <p:nvSpPr>
-          <p:cNvPr id="311" name="Google Shape;311;p33"/>
+          <p:cNvPr id="312" name="Google Shape;312;p33"/>
           <p:cNvSpPr txBox="1"/>
           <p:nvPr/>
         </p:nvSpPr>
@@ -23312,7 +23314,7 @@
       </p:sp>
       <p:pic>
         <p:nvPicPr>
-          <p:cNvPr id="312" name="Google Shape;312;p33"/>
+          <p:cNvPr id="313" name="Google Shape;313;p33"/>
           <p:cNvPicPr preferRelativeResize="0"/>
           <p:nvPr/>
         </p:nvPicPr>
@@ -23345,7 +23347,7 @@
       </p:pic>
       <p:pic>
         <p:nvPicPr>
-          <p:cNvPr id="313" name="Google Shape;313;p33"/>
+          <p:cNvPr id="314" name="Google Shape;314;p33"/>
           <p:cNvPicPr preferRelativeResize="0"/>
           <p:nvPr/>
         </p:nvPicPr>
@@ -23384,7 +23386,7 @@
       </p:pic>
       <p:pic>
         <p:nvPicPr>
-          <p:cNvPr id="314" name="Google Shape;314;p33"/>
+          <p:cNvPr id="315" name="Google Shape;315;p33"/>
           <p:cNvPicPr preferRelativeResize="0"/>
           <p:nvPr/>
         </p:nvPicPr>
@@ -27964,7 +27966,7 @@
             <a:tbl>
               <a:tblPr>
                 <a:noFill/>
-                <a:tableStyleId>{55C543F8-2961-4DEE-B7B0-3AF6ECF5F0E1}</a:tableStyleId>
+                <a:tableStyleId>{B99358EA-6B45-4D18-89DA-CFA2060CD2EB}</a:tableStyleId>
               </a:tblPr>
               <a:tblGrid>
                 <a:gridCol w="1828800">
@@ -32354,7 +32356,7 @@
             <a:tbl>
               <a:tblPr>
                 <a:noFill/>
-                <a:tableStyleId>{55C543F8-2961-4DEE-B7B0-3AF6ECF5F0E1}</a:tableStyleId>
+                <a:tableStyleId>{B99358EA-6B45-4D18-89DA-CFA2060CD2EB}</a:tableStyleId>
               </a:tblPr>
               <a:tblGrid>
                 <a:gridCol w="1828800">
@@ -38266,7 +38268,7 @@
   <p:cSld>
     <p:spTree>
       <p:nvGrpSpPr>
-        <p:cNvPr id="1" name="Shape 318"/>
+        <p:cNvPr id="1" name="Shape 319"/>
         <p:cNvGrpSpPr/>
         <p:nvPr/>
       </p:nvGrpSpPr>
@@ -38280,7 +38282,7 @@
       </p:grpSpPr>
       <p:pic>
         <p:nvPicPr>
-          <p:cNvPr id="319" name="Google Shape;319;p34"/>
+          <p:cNvPr id="320" name="Google Shape;320;p34"/>
           <p:cNvPicPr preferRelativeResize="0"/>
           <p:nvPr/>
         </p:nvPicPr>
@@ -38312,7 +38314,7 @@
       </p:pic>
       <p:sp>
         <p:nvSpPr>
-          <p:cNvPr id="320" name="Google Shape;320;p34"/>
+          <p:cNvPr id="321" name="Google Shape;321;p34"/>
           <p:cNvSpPr txBox="1"/>
           <p:nvPr/>
         </p:nvSpPr>
@@ -38378,7 +38380,7 @@
       </p:sp>
       <p:sp>
         <p:nvSpPr>
-          <p:cNvPr id="321" name="Google Shape;321;p34"/>
+          <p:cNvPr id="322" name="Google Shape;322;p34"/>
           <p:cNvSpPr txBox="1"/>
           <p:nvPr/>
         </p:nvSpPr>
@@ -38808,7 +38810,7 @@
       </p:sp>
       <p:pic>
         <p:nvPicPr>
-          <p:cNvPr id="322" name="Google Shape;322;p34"/>
+          <p:cNvPr id="323" name="Google Shape;323;p34"/>
           <p:cNvPicPr preferRelativeResize="0"/>
           <p:nvPr/>
         </p:nvPicPr>
@@ -38840,7 +38842,7 @@
       </p:pic>
       <p:sp>
         <p:nvSpPr>
-          <p:cNvPr id="323" name="Google Shape;323;p34"/>
+          <p:cNvPr id="324" name="Google Shape;324;p34"/>
           <p:cNvSpPr txBox="1"/>
           <p:nvPr/>
         </p:nvSpPr>
@@ -38919,7 +38921,7 @@
       </p:sp>
       <p:sp>
         <p:nvSpPr>
-          <p:cNvPr id="324" name="Google Shape;324;p34"/>
+          <p:cNvPr id="325" name="Google Shape;325;p34"/>
           <p:cNvSpPr txBox="1"/>
           <p:nvPr/>
         </p:nvSpPr>
@@ -38996,7 +38998,7 @@
   <p:cSld>
     <p:spTree>
       <p:nvGrpSpPr>
-        <p:cNvPr id="1" name="Shape 328"/>
+        <p:cNvPr id="1" name="Shape 329"/>
         <p:cNvGrpSpPr/>
         <p:nvPr/>
       </p:nvGrpSpPr>
@@ -39010,7 +39012,7 @@
       </p:grpSpPr>
       <p:sp>
         <p:nvSpPr>
-          <p:cNvPr id="329" name="Google Shape;329;p35"/>
+          <p:cNvPr id="330" name="Google Shape;330;p35"/>
           <p:cNvSpPr txBox="1"/>
           <p:nvPr/>
         </p:nvSpPr>
@@ -40437,7 +40439,7 @@
         </p:blipFill>
         <p:spPr>
           <a:xfrm>
-            <a:off x="5158350" y="861500"/>
+            <a:off x="5172983" y="861500"/>
             <a:ext cx="3208501" cy="778625"/>
           </a:xfrm>
           <a:prstGeom prst="rect">
@@ -44731,7 +44733,7 @@
         </p:nvSpPr>
         <p:spPr>
           <a:xfrm>
-            <a:off x="55075" y="508839"/>
+            <a:off x="55075" y="801499"/>
             <a:ext cx="4846800" cy="1865400"/>
           </a:xfrm>
           <a:prstGeom prst="rect">
@@ -44807,16 +44809,16 @@
                 <a:spcPts val="0"/>
               </a:spcAft>
               <a:buClr>
-                <a:schemeClr val="dk1"/>
+                <a:srgbClr val="3C78D8"/>
               </a:buClr>
               <a:buSzPts val="1200"/>
               <a:buFont typeface="Calibri"/>
               <a:buChar char="●"/>
             </a:pPr>
             <a:r>
-              <a:rPr lang="en" sz="1200">
-                <a:solidFill>
-                  <a:schemeClr val="dk1"/>
+              <a:rPr lang="en" sz="1200" b="1">
+                <a:solidFill>
+                  <a:srgbClr val="3C78D8"/>
                 </a:solidFill>
                 <a:latin typeface="Calibri"/>
                 <a:ea typeface="Calibri"/>
@@ -44825,9 +44827,9 @@
               </a:rPr>
               <a:t>Cuts costs for long, complex tasks by up to 50% </a:t>
             </a:r>
-            <a:endParaRPr sz="1200">
+            <a:endParaRPr sz="1200" b="1">
               <a:solidFill>
-                <a:schemeClr val="dk1"/>
+                <a:srgbClr val="3C78D8"/>
               </a:solidFill>
               <a:latin typeface="Calibri"/>
               <a:ea typeface="Calibri"/>
@@ -45091,7 +45093,7 @@
         </p:nvSpPr>
         <p:spPr>
           <a:xfrm>
-            <a:off x="55075" y="3716561"/>
+            <a:off x="55075" y="3460484"/>
             <a:ext cx="4846800" cy="1311300"/>
           </a:xfrm>
           <a:prstGeom prst="rect">
@@ -45362,7 +45364,7 @@
         </p:blipFill>
         <p:spPr>
           <a:xfrm>
-            <a:off x="5018000" y="175114"/>
+            <a:off x="5018000" y="467774"/>
             <a:ext cx="1115700" cy="743800"/>
           </a:xfrm>
           <a:prstGeom prst="rect">
@@ -45401,7 +45403,7 @@
         </p:blipFill>
         <p:spPr>
           <a:xfrm>
-            <a:off x="5054275" y="3716557"/>
+            <a:off x="5054275" y="3460480"/>
             <a:ext cx="1835826" cy="1311300"/>
           </a:xfrm>
           <a:prstGeom prst="rect">
@@ -45440,7 +45442,7 @@
         </p:blipFill>
         <p:spPr>
           <a:xfrm>
-            <a:off x="5054275" y="1081385"/>
+            <a:off x="5054275" y="1374045"/>
             <a:ext cx="2359842" cy="1292851"/>
           </a:xfrm>
           <a:prstGeom prst="rect">
@@ -45697,8 +45699,8 @@
         </p:blipFill>
         <p:spPr>
           <a:xfrm>
-            <a:off x="4657700" y="2137232"/>
-            <a:ext cx="2530474" cy="1518300"/>
+            <a:off x="4701602" y="2336476"/>
+            <a:ext cx="1971050" cy="1182651"/>
           </a:xfrm>
           <a:prstGeom prst="rect">
             <a:avLst/>
@@ -45715,221 +45717,14 @@
           </a:ln>
         </p:spPr>
       </p:pic>
-      <p:sp>
-        <p:nvSpPr>
-          <p:cNvPr id="214" name="Google Shape;214;p23"/>
-          <p:cNvSpPr txBox="1"/>
-          <p:nvPr/>
-        </p:nvSpPr>
-        <p:spPr>
-          <a:xfrm>
-            <a:off x="55075" y="2422507"/>
-            <a:ext cx="4457700" cy="757200"/>
-          </a:xfrm>
-          <a:prstGeom prst="rect">
-            <a:avLst/>
-          </a:prstGeom>
-          <a:solidFill>
-            <a:srgbClr val="FFF2CC"/>
-          </a:solidFill>
-          <a:ln w="9525" cap="flat" cmpd="sng">
-            <a:solidFill>
-              <a:srgbClr val="FF0000"/>
-            </a:solidFill>
-            <a:prstDash val="solid"/>
-            <a:round/>
-            <a:headEnd type="none" w="sm" len="sm"/>
-            <a:tailEnd type="none" w="sm" len="sm"/>
-          </a:ln>
-        </p:spPr>
-        <p:txBody>
-          <a:bodyPr spcFirstLastPara="1" wrap="square" lIns="9125" tIns="9125" rIns="9125" bIns="9125" anchor="t" anchorCtr="0">
-            <a:spAutoFit/>
-          </a:bodyPr>
-          <a:lstStyle/>
-          <a:p>
-            <a:pPr marL="171450" marR="0" lvl="0" indent="-133350" algn="l" rtl="0">
-              <a:lnSpc>
-                <a:spcPct val="100000"/>
-              </a:lnSpc>
-              <a:spcBef>
-                <a:spcPts val="0"/>
-              </a:spcBef>
-              <a:spcAft>
-                <a:spcPts val="0"/>
-              </a:spcAft>
-              <a:buClr>
-                <a:srgbClr val="FF0000"/>
-              </a:buClr>
-              <a:buSzPts val="1200"/>
-              <a:buFont typeface="Calibri"/>
-              <a:buChar char="●"/>
-            </a:pPr>
-            <a:r>
-              <a:rPr lang="en" sz="1200" b="1">
-                <a:solidFill>
-                  <a:srgbClr val="FF0000"/>
-                </a:solidFill>
-                <a:latin typeface="Calibri"/>
-                <a:ea typeface="Calibri"/>
-                <a:cs typeface="Calibri"/>
-                <a:sym typeface="Calibri"/>
-              </a:rPr>
-              <a:t>Tencent - HunyuanImage-3.0 - Text-to-Image</a:t>
-            </a:r>
-            <a:endParaRPr sz="1200" b="1">
-              <a:solidFill>
-                <a:srgbClr val="FF0000"/>
-              </a:solidFill>
-              <a:latin typeface="Calibri"/>
-              <a:ea typeface="Calibri"/>
-              <a:cs typeface="Calibri"/>
-              <a:sym typeface="Calibri"/>
-            </a:endParaRPr>
-          </a:p>
-          <a:p>
-            <a:pPr marL="171450" marR="0" lvl="0" indent="-133350" algn="l" rtl="0">
-              <a:lnSpc>
-                <a:spcPct val="100000"/>
-              </a:lnSpc>
-              <a:spcBef>
-                <a:spcPts val="0"/>
-              </a:spcBef>
-              <a:spcAft>
-                <a:spcPts val="0"/>
-              </a:spcAft>
-              <a:buClr>
-                <a:schemeClr val="dk1"/>
-              </a:buClr>
-              <a:buSzPts val="1200"/>
-              <a:buFont typeface="Calibri"/>
-              <a:buChar char="●"/>
-            </a:pPr>
-            <a:r>
-              <a:rPr lang="en" sz="1200">
-                <a:solidFill>
-                  <a:schemeClr val="dk1"/>
-                </a:solidFill>
-                <a:latin typeface="Calibri"/>
-                <a:ea typeface="Calibri"/>
-                <a:cs typeface="Calibri"/>
-                <a:sym typeface="Calibri"/>
-              </a:rPr>
-              <a:t>Multimodal Model for Image Generation</a:t>
-            </a:r>
-            <a:endParaRPr sz="1200">
-              <a:solidFill>
-                <a:schemeClr val="dk1"/>
-              </a:solidFill>
-              <a:latin typeface="Calibri"/>
-              <a:ea typeface="Calibri"/>
-              <a:cs typeface="Calibri"/>
-              <a:sym typeface="Calibri"/>
-            </a:endParaRPr>
-          </a:p>
-          <a:p>
-            <a:pPr marL="171450" marR="0" lvl="0" indent="-133350" algn="l" rtl="0">
-              <a:lnSpc>
-                <a:spcPct val="100000"/>
-              </a:lnSpc>
-              <a:spcBef>
-                <a:spcPts val="0"/>
-              </a:spcBef>
-              <a:spcAft>
-                <a:spcPts val="0"/>
-              </a:spcAft>
-              <a:buClr>
-                <a:schemeClr val="dk1"/>
-              </a:buClr>
-              <a:buSzPts val="1200"/>
-              <a:buFont typeface="Calibri"/>
-              <a:buChar char="●"/>
-            </a:pPr>
-            <a:r>
-              <a:rPr lang="en" sz="1200">
-                <a:solidFill>
-                  <a:schemeClr val="dk1"/>
-                </a:solidFill>
-                <a:latin typeface="Calibri"/>
-                <a:ea typeface="Calibri"/>
-                <a:cs typeface="Calibri"/>
-                <a:sym typeface="Calibri"/>
-              </a:rPr>
-              <a:t>Open Source</a:t>
-            </a:r>
-            <a:endParaRPr sz="1200">
-              <a:solidFill>
-                <a:schemeClr val="dk1"/>
-              </a:solidFill>
-              <a:latin typeface="Calibri"/>
-              <a:ea typeface="Calibri"/>
-              <a:cs typeface="Calibri"/>
-              <a:sym typeface="Calibri"/>
-            </a:endParaRPr>
-          </a:p>
-          <a:p>
-            <a:pPr marL="171450" marR="0" lvl="0" indent="-133350" algn="l" rtl="0">
-              <a:lnSpc>
-                <a:spcPct val="100000"/>
-              </a:lnSpc>
-              <a:spcBef>
-                <a:spcPts val="0"/>
-              </a:spcBef>
-              <a:spcAft>
-                <a:spcPts val="0"/>
-              </a:spcAft>
-              <a:buClr>
-                <a:schemeClr val="dk1"/>
-              </a:buClr>
-              <a:buSzPts val="1200"/>
-              <a:buFont typeface="Calibri"/>
-              <a:buChar char="●"/>
-            </a:pPr>
-            <a:r>
-              <a:rPr lang="en" sz="1200" u="sng">
-                <a:solidFill>
-                  <a:schemeClr val="hlink"/>
-                </a:solidFill>
-                <a:latin typeface="Calibri"/>
-                <a:ea typeface="Calibri"/>
-                <a:cs typeface="Calibri"/>
-                <a:sym typeface="Calibri"/>
-                <a:hlinkClick r:id="rId5"/>
-              </a:rPr>
-              <a:t>https://github.com/Tencent-Hunyuan/HunyuanImage-3.0</a:t>
-            </a:r>
-            <a:r>
-              <a:rPr lang="en" sz="1200">
-                <a:solidFill>
-                  <a:schemeClr val="dk1"/>
-                </a:solidFill>
-                <a:latin typeface="Calibri"/>
-                <a:ea typeface="Calibri"/>
-                <a:cs typeface="Calibri"/>
-                <a:sym typeface="Calibri"/>
-              </a:rPr>
-              <a:t> </a:t>
-            </a:r>
-            <a:endParaRPr sz="1200">
-              <a:solidFill>
-                <a:schemeClr val="dk1"/>
-              </a:solidFill>
-              <a:latin typeface="Calibri"/>
-              <a:ea typeface="Calibri"/>
-              <a:cs typeface="Calibri"/>
-              <a:sym typeface="Calibri"/>
-            </a:endParaRPr>
-          </a:p>
-        </p:txBody>
-      </p:sp>
       <p:pic>
         <p:nvPicPr>
-          <p:cNvPr id="215" name="Google Shape;215;p23"/>
+          <p:cNvPr id="214" name="Google Shape;214;p23"/>
           <p:cNvPicPr preferRelativeResize="0"/>
           <p:nvPr/>
         </p:nvPicPr>
         <p:blipFill>
-          <a:blip r:embed="rId6" cstate="email">
+          <a:blip r:embed="rId5" cstate="email">
             <a:alphaModFix/>
             <a:extLst>
               <a:ext uri="{28A0092B-C50C-407E-A947-70E740481C1C}">
@@ -45963,7 +45758,7 @@
       </p:pic>
       <p:sp>
         <p:nvSpPr>
-          <p:cNvPr id="216" name="Google Shape;216;p23"/>
+          <p:cNvPr id="215" name="Google Shape;215;p23"/>
           <p:cNvSpPr txBox="1"/>
           <p:nvPr/>
         </p:nvSpPr>
@@ -46117,12 +45912,12 @@
       </p:sp>
       <p:pic>
         <p:nvPicPr>
-          <p:cNvPr id="217" name="Google Shape;217;p23"/>
+          <p:cNvPr id="216" name="Google Shape;216;p23"/>
           <p:cNvPicPr preferRelativeResize="0"/>
           <p:nvPr/>
         </p:nvPicPr>
         <p:blipFill>
-          <a:blip r:embed="rId7">
+          <a:blip r:embed="rId6">
             <a:alphaModFix/>
           </a:blip>
           <a:stretch>
@@ -46133,6 +45928,318 @@
           <a:xfrm>
             <a:off x="5054275" y="462107"/>
             <a:ext cx="2847975" cy="1600200"/>
+          </a:xfrm>
+          <a:prstGeom prst="rect">
+            <a:avLst/>
+          </a:prstGeom>
+          <a:noFill/>
+          <a:ln w="9525" cap="flat" cmpd="sng">
+            <a:solidFill>
+              <a:srgbClr val="FF0000"/>
+            </a:solidFill>
+            <a:prstDash val="solid"/>
+            <a:round/>
+            <a:headEnd type="none" w="sm" len="sm"/>
+            <a:tailEnd type="none" w="sm" len="sm"/>
+          </a:ln>
+        </p:spPr>
+      </p:pic>
+      <p:sp>
+        <p:nvSpPr>
+          <p:cNvPr id="217" name="Google Shape;217;p23"/>
+          <p:cNvSpPr txBox="1"/>
+          <p:nvPr/>
+        </p:nvSpPr>
+        <p:spPr>
+          <a:xfrm>
+            <a:off x="67675" y="2427780"/>
+            <a:ext cx="4432500" cy="880500"/>
+          </a:xfrm>
+          <a:prstGeom prst="rect">
+            <a:avLst/>
+          </a:prstGeom>
+          <a:solidFill>
+            <a:srgbClr val="FFF2CC"/>
+          </a:solidFill>
+          <a:ln w="9525" cap="flat" cmpd="sng">
+            <a:solidFill>
+              <a:srgbClr val="FF0000"/>
+            </a:solidFill>
+            <a:prstDash val="solid"/>
+            <a:round/>
+            <a:headEnd type="none" w="sm" len="sm"/>
+            <a:tailEnd type="none" w="sm" len="sm"/>
+          </a:ln>
+        </p:spPr>
+        <p:txBody>
+          <a:bodyPr spcFirstLastPara="1" wrap="square" lIns="9125" tIns="9125" rIns="9125" bIns="9125" anchor="t" anchorCtr="0">
+            <a:spAutoFit/>
+          </a:bodyPr>
+          <a:lstStyle/>
+          <a:p>
+            <a:pPr marL="171450" marR="0" lvl="0" indent="-133350" algn="l" rtl="0">
+              <a:lnSpc>
+                <a:spcPct val="100000"/>
+              </a:lnSpc>
+              <a:spcBef>
+                <a:spcPts val="0"/>
+              </a:spcBef>
+              <a:spcAft>
+                <a:spcPts val="0"/>
+              </a:spcAft>
+              <a:buClr>
+                <a:srgbClr val="FF0000"/>
+              </a:buClr>
+              <a:buSzPts val="1200"/>
+              <a:buFont typeface="Calibri"/>
+              <a:buChar char="●"/>
+            </a:pPr>
+            <a:r>
+              <a:rPr lang="en" sz="1200" b="1">
+                <a:solidFill>
+                  <a:srgbClr val="FF0000"/>
+                </a:solidFill>
+                <a:latin typeface="Calibri"/>
+                <a:ea typeface="Calibri"/>
+                <a:cs typeface="Calibri"/>
+                <a:sym typeface="Calibri"/>
+              </a:rPr>
+              <a:t>Tencent’s Hunyuan Image 3.0 beats Google’s Nano Banana</a:t>
+            </a:r>
+            <a:endParaRPr sz="1200" b="1">
+              <a:solidFill>
+                <a:srgbClr val="FF0000"/>
+              </a:solidFill>
+              <a:latin typeface="Calibri"/>
+              <a:ea typeface="Calibri"/>
+              <a:cs typeface="Calibri"/>
+              <a:sym typeface="Calibri"/>
+            </a:endParaRPr>
+          </a:p>
+          <a:p>
+            <a:pPr marL="171450" marR="0" lvl="0" indent="-133350" algn="l" rtl="0">
+              <a:lnSpc>
+                <a:spcPct val="100000"/>
+              </a:lnSpc>
+              <a:spcBef>
+                <a:spcPts val="0"/>
+              </a:spcBef>
+              <a:spcAft>
+                <a:spcPts val="0"/>
+              </a:spcAft>
+              <a:buClr>
+                <a:schemeClr val="dk1"/>
+              </a:buClr>
+              <a:buSzPts val="1200"/>
+              <a:buFont typeface="Calibri"/>
+              <a:buChar char="●"/>
+            </a:pPr>
+            <a:r>
+              <a:rPr lang="en" sz="1200">
+                <a:solidFill>
+                  <a:schemeClr val="dk1"/>
+                </a:solidFill>
+                <a:latin typeface="Calibri"/>
+                <a:ea typeface="Calibri"/>
+                <a:cs typeface="Calibri"/>
+                <a:sym typeface="Calibri"/>
+              </a:rPr>
+              <a:t>Biggest open-source image-generation model</a:t>
+            </a:r>
+            <a:endParaRPr sz="1200">
+              <a:solidFill>
+                <a:schemeClr val="dk1"/>
+              </a:solidFill>
+              <a:latin typeface="Calibri"/>
+              <a:ea typeface="Calibri"/>
+              <a:cs typeface="Calibri"/>
+              <a:sym typeface="Calibri"/>
+            </a:endParaRPr>
+          </a:p>
+          <a:p>
+            <a:pPr marL="171450" marR="0" lvl="0" indent="-107950" algn="l" rtl="0">
+              <a:lnSpc>
+                <a:spcPct val="100000"/>
+              </a:lnSpc>
+              <a:spcBef>
+                <a:spcPts val="0"/>
+              </a:spcBef>
+              <a:spcAft>
+                <a:spcPts val="0"/>
+              </a:spcAft>
+              <a:buClr>
+                <a:schemeClr val="dk1"/>
+              </a:buClr>
+              <a:buSzPts val="800"/>
+              <a:buFont typeface="Calibri"/>
+              <a:buChar char="●"/>
+            </a:pPr>
+            <a:r>
+              <a:rPr lang="en" sz="800" u="sng">
+                <a:solidFill>
+                  <a:schemeClr val="hlink"/>
+                </a:solidFill>
+                <a:latin typeface="Calibri"/>
+                <a:ea typeface="Calibri"/>
+                <a:cs typeface="Calibri"/>
+                <a:sym typeface="Calibri"/>
+                <a:hlinkClick r:id="rId7"/>
+              </a:rPr>
+              <a:t>https://hunyuan-image.com</a:t>
+            </a:r>
+            <a:r>
+              <a:rPr lang="en" sz="800">
+                <a:solidFill>
+                  <a:schemeClr val="dk1"/>
+                </a:solidFill>
+                <a:latin typeface="Calibri"/>
+                <a:ea typeface="Calibri"/>
+                <a:cs typeface="Calibri"/>
+                <a:sym typeface="Calibri"/>
+              </a:rPr>
+              <a:t> </a:t>
+            </a:r>
+            <a:endParaRPr sz="800">
+              <a:solidFill>
+                <a:schemeClr val="dk1"/>
+              </a:solidFill>
+              <a:latin typeface="Calibri"/>
+              <a:ea typeface="Calibri"/>
+              <a:cs typeface="Calibri"/>
+              <a:sym typeface="Calibri"/>
+            </a:endParaRPr>
+          </a:p>
+          <a:p>
+            <a:pPr marL="171450" marR="0" lvl="0" indent="-107950" algn="l" rtl="0">
+              <a:lnSpc>
+                <a:spcPct val="100000"/>
+              </a:lnSpc>
+              <a:spcBef>
+                <a:spcPts val="0"/>
+              </a:spcBef>
+              <a:spcAft>
+                <a:spcPts val="0"/>
+              </a:spcAft>
+              <a:buClr>
+                <a:schemeClr val="dk1"/>
+              </a:buClr>
+              <a:buSzPts val="800"/>
+              <a:buFont typeface="Calibri"/>
+              <a:buChar char="●"/>
+            </a:pPr>
+            <a:r>
+              <a:rPr lang="en" sz="800" u="sng">
+                <a:solidFill>
+                  <a:schemeClr val="hlink"/>
+                </a:solidFill>
+                <a:latin typeface="Calibri"/>
+                <a:ea typeface="Calibri"/>
+                <a:cs typeface="Calibri"/>
+                <a:sym typeface="Calibri"/>
+                <a:hlinkClick r:id="rId8"/>
+              </a:rPr>
+              <a:t>https://github.com/Tencent-Hunyuan/HunyuanImage-3.0</a:t>
+            </a:r>
+            <a:r>
+              <a:rPr lang="en" sz="800">
+                <a:solidFill>
+                  <a:schemeClr val="dk1"/>
+                </a:solidFill>
+                <a:latin typeface="Calibri"/>
+                <a:ea typeface="Calibri"/>
+                <a:cs typeface="Calibri"/>
+                <a:sym typeface="Calibri"/>
+              </a:rPr>
+              <a:t> </a:t>
+            </a:r>
+            <a:endParaRPr sz="800">
+              <a:solidFill>
+                <a:schemeClr val="dk1"/>
+              </a:solidFill>
+              <a:latin typeface="Calibri"/>
+              <a:ea typeface="Calibri"/>
+              <a:cs typeface="Calibri"/>
+              <a:sym typeface="Calibri"/>
+            </a:endParaRPr>
+          </a:p>
+          <a:p>
+            <a:pPr marL="171450" marR="0" lvl="0" indent="-107950" algn="l" rtl="0">
+              <a:lnSpc>
+                <a:spcPct val="100000"/>
+              </a:lnSpc>
+              <a:spcBef>
+                <a:spcPts val="0"/>
+              </a:spcBef>
+              <a:spcAft>
+                <a:spcPts val="0"/>
+              </a:spcAft>
+              <a:buClr>
+                <a:schemeClr val="dk1"/>
+              </a:buClr>
+              <a:buSzPts val="800"/>
+              <a:buFont typeface="Calibri"/>
+              <a:buChar char="●"/>
+            </a:pPr>
+            <a:r>
+              <a:rPr lang="en" sz="800" u="sng">
+                <a:solidFill>
+                  <a:schemeClr val="hlink"/>
+                </a:solidFill>
+                <a:latin typeface="Calibri"/>
+                <a:ea typeface="Calibri"/>
+                <a:cs typeface="Calibri"/>
+                <a:sym typeface="Calibri"/>
+                <a:hlinkClick r:id="rId9"/>
+              </a:rPr>
+              <a:t>https://www.reddit.com/r/LocalLLaMA/comments/1ny022j/open_source_texttoimage_hunyuan_30_by_tencent_is/</a:t>
+            </a:r>
+            <a:r>
+              <a:rPr lang="en" sz="800">
+                <a:solidFill>
+                  <a:schemeClr val="dk1"/>
+                </a:solidFill>
+                <a:latin typeface="Calibri"/>
+                <a:ea typeface="Calibri"/>
+                <a:cs typeface="Calibri"/>
+                <a:sym typeface="Calibri"/>
+              </a:rPr>
+              <a:t> </a:t>
+            </a:r>
+            <a:endParaRPr sz="800">
+              <a:solidFill>
+                <a:schemeClr val="dk1"/>
+              </a:solidFill>
+              <a:latin typeface="Calibri"/>
+              <a:ea typeface="Calibri"/>
+              <a:cs typeface="Calibri"/>
+              <a:sym typeface="Calibri"/>
+            </a:endParaRPr>
+          </a:p>
+        </p:txBody>
+      </p:sp>
+      <p:pic>
+        <p:nvPicPr>
+          <p:cNvPr id="218" name="Google Shape;218;p23"/>
+          <p:cNvPicPr preferRelativeResize="0"/>
+          <p:nvPr/>
+        </p:nvPicPr>
+        <p:blipFill>
+          <a:blip r:embed="rId10" cstate="email">
+            <a:alphaModFix/>
+            <a:extLst>
+              <a:ext uri="{28A0092B-C50C-407E-A947-70E740481C1C}">
+                <a14:useLocalDpi xmlns:a14="http://schemas.microsoft.com/office/drawing/2010/main"/>
+              </a:ext>
+            </a:extLst>
+          </a:blip>
+          <a:stretch>
+            <a:fillRect/>
+          </a:stretch>
+        </p:blipFill>
+        <p:spPr>
+          <a:xfrm>
+            <a:off x="6772376" y="2117671"/>
+            <a:ext cx="2025300" cy="1620253"/>
           </a:xfrm>
           <a:prstGeom prst="rect">
             <a:avLst/>

--- a/2025/2025-10-10-AI-Updates.pptx
+++ b/2025/2025-10-10-AI-Updates.pptx
@@ -15075,7 +15075,7 @@
         <p:spPr>
           <a:xfrm>
             <a:off x="55075" y="455225"/>
-            <a:ext cx="4457700" cy="5190300"/>
+            <a:ext cx="4457700" cy="3897300"/>
           </a:xfrm>
           <a:prstGeom prst="rect">
             <a:avLst/>
@@ -15259,7 +15259,7 @@
             </a:endParaRPr>
           </a:p>
           <a:p>
-            <a:pPr marL="171450" marR="0" lvl="0" indent="-133350" algn="l" rtl="0">
+            <a:pPr marL="171450" marR="0" lvl="0" indent="-107950" algn="l" rtl="0">
               <a:lnSpc>
                 <a:spcPct val="100000"/>
               </a:lnSpc>
@@ -15272,12 +15272,12 @@
               <a:buClr>
                 <a:schemeClr val="dk1"/>
               </a:buClr>
-              <a:buSzPts val="1200"/>
+              <a:buSzPts val="800"/>
               <a:buFont typeface="Calibri"/>
               <a:buChar char="●"/>
             </a:pPr>
             <a:r>
-              <a:rPr lang="en" sz="1200" u="sng">
+              <a:rPr lang="en" sz="800" u="sng">
                 <a:solidFill>
                   <a:schemeClr val="hlink"/>
                 </a:solidFill>
@@ -15290,7 +15290,7 @@
               <a:t>https://www.langflow.org</a:t>
             </a:r>
             <a:r>
-              <a:rPr lang="en" sz="1200">
+              <a:rPr lang="en" sz="800">
                 <a:solidFill>
                   <a:schemeClr val="dk1"/>
                 </a:solidFill>
@@ -15301,7 +15301,113 @@
               </a:rPr>
               <a:t> </a:t>
             </a:r>
-            <a:endParaRPr sz="1200">
+            <a:endParaRPr sz="800">
+              <a:solidFill>
+                <a:schemeClr val="dk1"/>
+              </a:solidFill>
+              <a:latin typeface="Calibri"/>
+              <a:ea typeface="Calibri"/>
+              <a:cs typeface="Calibri"/>
+              <a:sym typeface="Calibri"/>
+            </a:endParaRPr>
+          </a:p>
+          <a:p>
+            <a:pPr marL="171450" marR="0" lvl="0" indent="-107950" algn="l" rtl="0">
+              <a:lnSpc>
+                <a:spcPct val="100000"/>
+              </a:lnSpc>
+              <a:spcBef>
+                <a:spcPts val="0"/>
+              </a:spcBef>
+              <a:spcAft>
+                <a:spcPts val="0"/>
+              </a:spcAft>
+              <a:buClr>
+                <a:schemeClr val="dk1"/>
+              </a:buClr>
+              <a:buSzPts val="800"/>
+              <a:buFont typeface="Calibri"/>
+              <a:buChar char="●"/>
+            </a:pPr>
+            <a:r>
+              <a:rPr lang="en" sz="800" u="sng">
+                <a:solidFill>
+                  <a:schemeClr val="hlink"/>
+                </a:solidFill>
+                <a:latin typeface="Calibri"/>
+                <a:ea typeface="Calibri"/>
+                <a:cs typeface="Calibri"/>
+                <a:sym typeface="Calibri"/>
+                <a:hlinkClick r:id="rId4"/>
+              </a:rPr>
+              <a:t>https://github.com/langflow-ai/langflow</a:t>
+            </a:r>
+            <a:r>
+              <a:rPr lang="en" sz="800">
+                <a:solidFill>
+                  <a:schemeClr val="dk1"/>
+                </a:solidFill>
+                <a:latin typeface="Calibri"/>
+                <a:ea typeface="Calibri"/>
+                <a:cs typeface="Calibri"/>
+                <a:sym typeface="Calibri"/>
+              </a:rPr>
+              <a:t> - 127K stars</a:t>
+            </a:r>
+            <a:endParaRPr sz="800">
+              <a:solidFill>
+                <a:schemeClr val="dk1"/>
+              </a:solidFill>
+              <a:latin typeface="Calibri"/>
+              <a:ea typeface="Calibri"/>
+              <a:cs typeface="Calibri"/>
+              <a:sym typeface="Calibri"/>
+            </a:endParaRPr>
+          </a:p>
+          <a:p>
+            <a:pPr marL="171450" marR="0" lvl="0" indent="-107950" algn="l" rtl="0">
+              <a:lnSpc>
+                <a:spcPct val="100000"/>
+              </a:lnSpc>
+              <a:spcBef>
+                <a:spcPts val="0"/>
+              </a:spcBef>
+              <a:spcAft>
+                <a:spcPts val="0"/>
+              </a:spcAft>
+              <a:buClr>
+                <a:schemeClr val="dk1"/>
+              </a:buClr>
+              <a:buSzPts val="800"/>
+              <a:buFont typeface="Calibri"/>
+              <a:buChar char="●"/>
+            </a:pPr>
+            <a:r>
+              <a:rPr lang="en" sz="800" u="sng">
+                <a:solidFill>
+                  <a:schemeClr val="hlink"/>
+                </a:solidFill>
+                <a:latin typeface="Calibri"/>
+                <a:ea typeface="Calibri"/>
+                <a:cs typeface="Calibri"/>
+                <a:sym typeface="Calibri"/>
+                <a:hlinkClick r:id="rId5"/>
+              </a:rPr>
+              <a:t>https://www.youtube.com/watch?v=dTuVpbNRO4o</a:t>
+            </a:r>
+            <a:r>
+              <a:rPr lang="en" sz="800">
+                <a:solidFill>
+                  <a:schemeClr val="dk1"/>
+                </a:solidFill>
+                <a:latin typeface="Calibri"/>
+                <a:ea typeface="Calibri"/>
+                <a:cs typeface="Calibri"/>
+                <a:sym typeface="Calibri"/>
+              </a:rPr>
+              <a:t> - video</a:t>
+            </a:r>
+            <a:endParaRPr sz="800">
               <a:solidFill>
                 <a:schemeClr val="dk1"/>
               </a:solidFill>
@@ -15330,19 +15436,6 @@
               <a:buChar char="●"/>
             </a:pPr>
             <a:r>
-              <a:rPr lang="en" sz="1200" u="sng">
-                <a:solidFill>
-                  <a:schemeClr val="hlink"/>
-                </a:solidFill>
-                <a:latin typeface="Calibri"/>
-                <a:ea typeface="Calibri"/>
-                <a:cs typeface="Calibri"/>
-                <a:sym typeface="Calibri"/>
-                <a:hlinkClick r:id="rId4"/>
-              </a:rPr>
-              <a:t>https://github.com/langflow-ai/langflow</a:t>
-            </a:r>
-            <a:r>
               <a:rPr lang="en" sz="1200">
                 <a:solidFill>
                   <a:schemeClr val="dk1"/>
@@ -15352,168 +15445,7 @@
                 <a:cs typeface="Calibri"/>
                 <a:sym typeface="Calibri"/>
               </a:rPr>
-              <a:t> - 127K stars</a:t>
-            </a:r>
-            <a:endParaRPr sz="1200">
-              <a:solidFill>
-                <a:schemeClr val="dk1"/>
-              </a:solidFill>
-              <a:latin typeface="Calibri"/>
-              <a:ea typeface="Calibri"/>
-              <a:cs typeface="Calibri"/>
-              <a:sym typeface="Calibri"/>
-            </a:endParaRPr>
-          </a:p>
-          <a:p>
-            <a:pPr marL="171450" marR="0" lvl="0" indent="-133350" algn="l" rtl="0">
-              <a:lnSpc>
-                <a:spcPct val="100000"/>
-              </a:lnSpc>
-              <a:spcBef>
-                <a:spcPts val="0"/>
-              </a:spcBef>
-              <a:spcAft>
-                <a:spcPts val="0"/>
-              </a:spcAft>
-              <a:buClr>
-                <a:schemeClr val="dk1"/>
-              </a:buClr>
-              <a:buSzPts val="1200"/>
-              <a:buFont typeface="Calibri"/>
-              <a:buChar char="●"/>
-            </a:pPr>
-            <a:r>
-              <a:rPr lang="en" sz="1200" u="sng">
-                <a:solidFill>
-                  <a:schemeClr val="hlink"/>
-                </a:solidFill>
-                <a:latin typeface="Calibri"/>
-                <a:ea typeface="Calibri"/>
-                <a:cs typeface="Calibri"/>
-                <a:sym typeface="Calibri"/>
-                <a:hlinkClick r:id="rId5"/>
-              </a:rPr>
-              <a:t>https://www.youtube.com/watch?v=dTuVpbNRO4o</a:t>
-            </a:r>
-            <a:r>
-              <a:rPr lang="en" sz="1200">
-                <a:solidFill>
-                  <a:schemeClr val="dk1"/>
-                </a:solidFill>
-                <a:latin typeface="Calibri"/>
-                <a:ea typeface="Calibri"/>
-                <a:cs typeface="Calibri"/>
-                <a:sym typeface="Calibri"/>
-              </a:rPr>
-              <a:t> - video</a:t>
-            </a:r>
-            <a:endParaRPr sz="1200">
-              <a:solidFill>
-                <a:schemeClr val="dk1"/>
-              </a:solidFill>
-              <a:latin typeface="Calibri"/>
-              <a:ea typeface="Calibri"/>
-              <a:cs typeface="Calibri"/>
-              <a:sym typeface="Calibri"/>
-            </a:endParaRPr>
-          </a:p>
-          <a:p>
-            <a:pPr marL="171450" marR="0" lvl="0" indent="-133350" algn="l" rtl="0">
-              <a:lnSpc>
-                <a:spcPct val="100000"/>
-              </a:lnSpc>
-              <a:spcBef>
-                <a:spcPts val="0"/>
-              </a:spcBef>
-              <a:spcAft>
-                <a:spcPts val="0"/>
-              </a:spcAft>
-              <a:buClr>
-                <a:schemeClr val="dk1"/>
-              </a:buClr>
-              <a:buSzPts val="1200"/>
-              <a:buFont typeface="Calibri"/>
-              <a:buChar char="●"/>
-            </a:pPr>
-            <a:endParaRPr sz="1200">
-              <a:solidFill>
-                <a:schemeClr val="dk1"/>
-              </a:solidFill>
-              <a:latin typeface="Calibri"/>
-              <a:ea typeface="Calibri"/>
-              <a:cs typeface="Calibri"/>
-              <a:sym typeface="Calibri"/>
-            </a:endParaRPr>
-          </a:p>
-          <a:p>
-            <a:pPr marL="171450" marR="0" lvl="0" indent="-133350" algn="l" rtl="0">
-              <a:lnSpc>
-                <a:spcPct val="100000"/>
-              </a:lnSpc>
-              <a:spcBef>
-                <a:spcPts val="0"/>
-              </a:spcBef>
-              <a:spcAft>
-                <a:spcPts val="0"/>
-              </a:spcAft>
-              <a:buClr>
-                <a:schemeClr val="dk1"/>
-              </a:buClr>
-              <a:buSzPts val="1200"/>
-              <a:buFont typeface="Calibri"/>
-              <a:buChar char="●"/>
-            </a:pPr>
-            <a:r>
-              <a:rPr lang="en" sz="1200">
-                <a:solidFill>
-                  <a:schemeClr val="dk1"/>
-                </a:solidFill>
-                <a:latin typeface="Calibri"/>
-                <a:ea typeface="Calibri"/>
-                <a:cs typeface="Calibri"/>
-                <a:sym typeface="Calibri"/>
-              </a:rPr>
-              <a:t>Langflow is similar to n8n in that it provides a visual, low-code pipeline builder, but Langflow is designed specifically for constructing AI agent workflows and chaining large language model (LLM) components - like prompts, tools, memory, and retrievers - while n8n is a more general-purpose workflow automation platform meant to orchestrate integrations between a wide variety of business apps and external services</a:t>
-            </a:r>
-            <a:endParaRPr sz="1200">
-              <a:solidFill>
-                <a:schemeClr val="dk1"/>
-              </a:solidFill>
-              <a:latin typeface="Calibri"/>
-              <a:ea typeface="Calibri"/>
-              <a:cs typeface="Calibri"/>
-              <a:sym typeface="Calibri"/>
-            </a:endParaRPr>
-          </a:p>
-          <a:p>
-            <a:pPr marL="171450" marR="0" lvl="0" indent="-133350" algn="l" rtl="0">
-              <a:lnSpc>
-                <a:spcPct val="100000"/>
-              </a:lnSpc>
-              <a:spcBef>
-                <a:spcPts val="0"/>
-              </a:spcBef>
-              <a:spcAft>
-                <a:spcPts val="0"/>
-              </a:spcAft>
-              <a:buClr>
-                <a:schemeClr val="dk1"/>
-              </a:buClr>
-              <a:buSzPts val="1200"/>
-              <a:buFont typeface="Calibri"/>
-              <a:buChar char="●"/>
-            </a:pPr>
-            <a:r>
-              <a:rPr lang="en" sz="1200">
-                <a:solidFill>
-                  <a:schemeClr val="dk1"/>
-                </a:solidFill>
-                <a:latin typeface="Calibri"/>
-                <a:ea typeface="Calibri"/>
-                <a:cs typeface="Calibri"/>
-                <a:sym typeface="Calibri"/>
-              </a:rPr>
-              <a:t>While both platforms allow drag-and-drop pipeline creation, Langflow specializes in building advanced AI logic and agentic pipelines, whereas n8n excels in broader event-based automations with hundreds of app integrations, making them complementary for certain use-cases.</a:t>
+              <a:t>Langflow is similar to n8n in that it provides a visual, low-code pipeline builder, but Langflow is designed specifically for constructing AI agent workflows and chaining LLM components (prompts, tools, memory, and retrievers), while n8n is a more general-purpose workflow automation platform meant to orchestrate integrations between a wide variety of business apps and external services</a:t>
             </a:r>
             <a:endParaRPr sz="1200">
               <a:solidFill>
@@ -15548,15 +15480,21 @@
         </p:blipFill>
         <p:spPr>
           <a:xfrm>
-            <a:off x="4665175" y="152400"/>
+            <a:off x="4931925" y="1019300"/>
             <a:ext cx="3362849" cy="2872750"/>
           </a:xfrm>
           <a:prstGeom prst="rect">
             <a:avLst/>
           </a:prstGeom>
           <a:noFill/>
-          <a:ln>
-            <a:noFill/>
+          <a:ln w="9525" cap="flat" cmpd="sng">
+            <a:solidFill>
+              <a:srgbClr val="FF0000"/>
+            </a:solidFill>
+            <a:prstDash val="solid"/>
+            <a:round/>
+            <a:headEnd type="none" w="sm" len="sm"/>
+            <a:tailEnd type="none" w="sm" len="sm"/>
           </a:ln>
         </p:spPr>
       </p:pic>
@@ -27966,7 +27904,7 @@
             <a:tbl>
               <a:tblPr>
                 <a:noFill/>
-                <a:tableStyleId>{B99358EA-6B45-4D18-89DA-CFA2060CD2EB}</a:tableStyleId>
+                <a:tableStyleId>{5989752C-C29D-4A5E-9592-9A1742061D31}</a:tableStyleId>
               </a:tblPr>
               <a:tblGrid>
                 <a:gridCol w="1828800">
@@ -32356,7 +32294,7 @@
             <a:tbl>
               <a:tblPr>
                 <a:noFill/>
-                <a:tableStyleId>{B99358EA-6B45-4D18-89DA-CFA2060CD2EB}</a:tableStyleId>
+                <a:tableStyleId>{5989752C-C29D-4A5E-9592-9A1742061D31}</a:tableStyleId>
               </a:tblPr>
               <a:tblGrid>
                 <a:gridCol w="1828800">
